--- a/pandas.pptx
+++ b/pandas.pptx
@@ -6,7 +6,7 @@
     <p:sldMasterId id="2147483661" r:id="rId2"/>
   </p:sldMasterIdLst>
   <p:notesMasterIdLst>
-    <p:notesMasterId r:id="rId21"/>
+    <p:notesMasterId r:id="rId26"/>
   </p:notesMasterIdLst>
   <p:sldIdLst>
     <p:sldId id="5000" r:id="rId3"/>
@@ -27,6 +27,11 @@
     <p:sldId id="5287" r:id="rId18"/>
     <p:sldId id="5289" r:id="rId19"/>
     <p:sldId id="5288" r:id="rId20"/>
+    <p:sldId id="5290" r:id="rId21"/>
+    <p:sldId id="5291" r:id="rId22"/>
+    <p:sldId id="5292" r:id="rId23"/>
+    <p:sldId id="5293" r:id="rId24"/>
+    <p:sldId id="5294" r:id="rId25"/>
   </p:sldIdLst>
   <p:sldSz cx="12192000" cy="6858000"/>
   <p:notesSz cx="6858000" cy="9144000"/>
@@ -1071,7 +1076,7 @@
           <a:p>
             <a:fld id="{2C4E7C38-66FF-0F48-89D3-6A62474BA3D7}" type="datetimeFigureOut">
               <a:rPr lang="x-none" smtClean="0"/>
-              <a:t>22-Feb-25</a:t>
+              <a:t>2/23/2025</a:t>
             </a:fld>
             <a:endParaRPr lang="x-none"/>
           </a:p>
@@ -1468,10 +1473,9 @@
           <a:lstStyle/>
           <a:p>
             <a:r>
-              <a:rPr lang="en-US" dirty="0" smtClean="0"/>
+              <a:rPr lang="en-US" dirty="0"/>
               <a:t>https://www.w3schools.com/python/pandas/pandas_cleaning_empty_cells.asp</a:t>
             </a:r>
-            <a:endParaRPr lang="en-US" dirty="0"/>
           </a:p>
         </p:txBody>
       </p:sp>
@@ -1502,6 +1506,679 @@
     <p:extLst>
       <p:ext uri="{BB962C8B-B14F-4D97-AF65-F5344CB8AC3E}">
         <p14:creationId xmlns:p14="http://schemas.microsoft.com/office/powerpoint/2010/main" val="915602104"/>
+      </p:ext>
+    </p:extLst>
+  </p:cSld>
+  <p:clrMapOvr>
+    <a:masterClrMapping/>
+  </p:clrMapOvr>
+</p:notes>
+</file>
+
+<file path=ppt/notesSlides/notesSlide3.xml><?xml version="1.0" encoding="utf-8"?>
+<p:notes xmlns:a="http://schemas.openxmlformats.org/drawingml/2006/main" xmlns:r="http://schemas.openxmlformats.org/officeDocument/2006/relationships" xmlns:p="http://schemas.openxmlformats.org/presentationml/2006/main">
+  <p:cSld>
+    <p:spTree>
+      <p:nvGrpSpPr>
+        <p:cNvPr id="1" name=""/>
+        <p:cNvGrpSpPr/>
+        <p:nvPr/>
+      </p:nvGrpSpPr>
+      <p:grpSpPr>
+        <a:xfrm>
+          <a:off x="0" y="0"/>
+          <a:ext cx="0" cy="0"/>
+          <a:chOff x="0" y="0"/>
+          <a:chExt cx="0" cy="0"/>
+        </a:xfrm>
+      </p:grpSpPr>
+      <p:sp>
+        <p:nvSpPr>
+          <p:cNvPr id="2" name="Slide Image Placeholder 1"/>
+          <p:cNvSpPr>
+            <a:spLocks noGrp="1" noRot="1" noChangeAspect="1"/>
+          </p:cNvSpPr>
+          <p:nvPr>
+            <p:ph type="sldImg"/>
+          </p:nvPr>
+        </p:nvSpPr>
+        <p:spPr/>
+      </p:sp>
+      <p:sp>
+        <p:nvSpPr>
+          <p:cNvPr id="3" name="Notes Placeholder 2"/>
+          <p:cNvSpPr>
+            <a:spLocks noGrp="1"/>
+          </p:cNvSpPr>
+          <p:nvPr>
+            <p:ph type="body" idx="1"/>
+          </p:nvPr>
+        </p:nvSpPr>
+        <p:spPr/>
+        <p:txBody>
+          <a:bodyPr/>
+          <a:lstStyle/>
+          <a:p>
+            <a:r>
+              <a:rPr lang="en-US" dirty="0"/>
+              <a:t>#As you can see in row 18 and 28, the empty values from "Calories" was replaced with the mean: 304.68</a:t>
+            </a:r>
+          </a:p>
+        </p:txBody>
+      </p:sp>
+      <p:sp>
+        <p:nvSpPr>
+          <p:cNvPr id="4" name="Slide Number Placeholder 3"/>
+          <p:cNvSpPr>
+            <a:spLocks noGrp="1"/>
+          </p:cNvSpPr>
+          <p:nvPr>
+            <p:ph type="sldNum" sz="quarter" idx="5"/>
+          </p:nvPr>
+        </p:nvSpPr>
+        <p:spPr/>
+        <p:txBody>
+          <a:bodyPr/>
+          <a:lstStyle/>
+          <a:p>
+            <a:fld id="{045EC52E-CB9E-634A-9E0A-865275A8C39D}" type="slidenum">
+              <a:rPr lang="x-none" smtClean="0"/>
+              <a:t>19</a:t>
+            </a:fld>
+            <a:endParaRPr lang="x-none"/>
+          </a:p>
+        </p:txBody>
+      </p:sp>
+    </p:spTree>
+    <p:extLst>
+      <p:ext uri="{BB962C8B-B14F-4D97-AF65-F5344CB8AC3E}">
+        <p14:creationId xmlns:p14="http://schemas.microsoft.com/office/powerpoint/2010/main" val="2797851095"/>
+      </p:ext>
+    </p:extLst>
+  </p:cSld>
+  <p:clrMapOvr>
+    <a:masterClrMapping/>
+  </p:clrMapOvr>
+</p:notes>
+</file>
+
+<file path=ppt/notesSlides/notesSlide4.xml><?xml version="1.0" encoding="utf-8"?>
+<p:notes xmlns:a="http://schemas.openxmlformats.org/drawingml/2006/main" xmlns:r="http://schemas.openxmlformats.org/officeDocument/2006/relationships" xmlns:p="http://schemas.openxmlformats.org/presentationml/2006/main">
+  <p:cSld>
+    <p:spTree>
+      <p:nvGrpSpPr>
+        <p:cNvPr id="1" name=""/>
+        <p:cNvGrpSpPr/>
+        <p:nvPr/>
+      </p:nvGrpSpPr>
+      <p:grpSpPr>
+        <a:xfrm>
+          <a:off x="0" y="0"/>
+          <a:ext cx="0" cy="0"/>
+          <a:chOff x="0" y="0"/>
+          <a:chExt cx="0" cy="0"/>
+        </a:xfrm>
+      </p:grpSpPr>
+      <p:sp>
+        <p:nvSpPr>
+          <p:cNvPr id="2" name="Slide Image Placeholder 1"/>
+          <p:cNvSpPr>
+            <a:spLocks noGrp="1" noRot="1" noChangeAspect="1"/>
+          </p:cNvSpPr>
+          <p:nvPr>
+            <p:ph type="sldImg"/>
+          </p:nvPr>
+        </p:nvSpPr>
+        <p:spPr/>
+      </p:sp>
+      <p:sp>
+        <p:nvSpPr>
+          <p:cNvPr id="3" name="Notes Placeholder 2"/>
+          <p:cNvSpPr>
+            <a:spLocks noGrp="1"/>
+          </p:cNvSpPr>
+          <p:nvPr>
+            <p:ph type="body" idx="1"/>
+          </p:nvPr>
+        </p:nvSpPr>
+        <p:spPr/>
+        <p:txBody>
+          <a:bodyPr/>
+          <a:lstStyle/>
+          <a:p>
+            <a:r>
+              <a:rPr lang="en-US" dirty="0"/>
+              <a:t>#As you can see in row 18 and 28, the empty values from "Calories" was replaced with the median: 291.2</a:t>
+            </a:r>
+          </a:p>
+        </p:txBody>
+      </p:sp>
+      <p:sp>
+        <p:nvSpPr>
+          <p:cNvPr id="4" name="Slide Number Placeholder 3"/>
+          <p:cNvSpPr>
+            <a:spLocks noGrp="1"/>
+          </p:cNvSpPr>
+          <p:nvPr>
+            <p:ph type="sldNum" sz="quarter" idx="5"/>
+          </p:nvPr>
+        </p:nvSpPr>
+        <p:spPr/>
+        <p:txBody>
+          <a:bodyPr/>
+          <a:lstStyle/>
+          <a:p>
+            <a:fld id="{045EC52E-CB9E-634A-9E0A-865275A8C39D}" type="slidenum">
+              <a:rPr lang="x-none" smtClean="0"/>
+              <a:t>20</a:t>
+            </a:fld>
+            <a:endParaRPr lang="x-none"/>
+          </a:p>
+        </p:txBody>
+      </p:sp>
+    </p:spTree>
+    <p:extLst>
+      <p:ext uri="{BB962C8B-B14F-4D97-AF65-F5344CB8AC3E}">
+        <p14:creationId xmlns:p14="http://schemas.microsoft.com/office/powerpoint/2010/main" val="2315613997"/>
+      </p:ext>
+    </p:extLst>
+  </p:cSld>
+  <p:clrMapOvr>
+    <a:masterClrMapping/>
+  </p:clrMapOvr>
+</p:notes>
+</file>
+
+<file path=ppt/notesSlides/notesSlide5.xml><?xml version="1.0" encoding="utf-8"?>
+<p:notes xmlns:a="http://schemas.openxmlformats.org/drawingml/2006/main" xmlns:r="http://schemas.openxmlformats.org/officeDocument/2006/relationships" xmlns:p="http://schemas.openxmlformats.org/presentationml/2006/main">
+  <p:cSld>
+    <p:spTree>
+      <p:nvGrpSpPr>
+        <p:cNvPr id="1" name=""/>
+        <p:cNvGrpSpPr/>
+        <p:nvPr/>
+      </p:nvGrpSpPr>
+      <p:grpSpPr>
+        <a:xfrm>
+          <a:off x="0" y="0"/>
+          <a:ext cx="0" cy="0"/>
+          <a:chOff x="0" y="0"/>
+          <a:chExt cx="0" cy="0"/>
+        </a:xfrm>
+      </p:grpSpPr>
+      <p:sp>
+        <p:nvSpPr>
+          <p:cNvPr id="2" name="Slide Image Placeholder 1"/>
+          <p:cNvSpPr>
+            <a:spLocks noGrp="1" noRot="1" noChangeAspect="1"/>
+          </p:cNvSpPr>
+          <p:nvPr>
+            <p:ph type="sldImg"/>
+          </p:nvPr>
+        </p:nvSpPr>
+        <p:spPr/>
+      </p:sp>
+      <p:sp>
+        <p:nvSpPr>
+          <p:cNvPr id="3" name="Notes Placeholder 2"/>
+          <p:cNvSpPr>
+            <a:spLocks noGrp="1"/>
+          </p:cNvSpPr>
+          <p:nvPr>
+            <p:ph type="body" idx="1"/>
+          </p:nvPr>
+        </p:nvSpPr>
+        <p:spPr/>
+        <p:txBody>
+          <a:bodyPr/>
+          <a:lstStyle/>
+          <a:p>
+            <a:r>
+              <a:rPr lang="fr-FR" dirty="0" err="1"/>
+              <a:t>Duration,Date,Pulse,Maxpulse,Calories</a:t>
+            </a:r>
+            <a:endParaRPr lang="fr-FR" dirty="0"/>
+          </a:p>
+          <a:p>
+            <a:r>
+              <a:rPr lang="fr-FR" dirty="0"/>
+              <a:t>60,'2020/12/01',110,130,409.1</a:t>
+            </a:r>
+          </a:p>
+          <a:p>
+            <a:r>
+              <a:rPr lang="fr-FR" dirty="0"/>
+              <a:t>60,'2020/12/02',117,145,479.0</a:t>
+            </a:r>
+          </a:p>
+          <a:p>
+            <a:r>
+              <a:rPr lang="fr-FR" dirty="0"/>
+              <a:t>60,'2020/12/03',103,135,340.0</a:t>
+            </a:r>
+          </a:p>
+          <a:p>
+            <a:r>
+              <a:rPr lang="fr-FR" dirty="0"/>
+              <a:t>45,'2020/12/04',109,175,282.4</a:t>
+            </a:r>
+          </a:p>
+          <a:p>
+            <a:r>
+              <a:rPr lang="fr-FR" dirty="0"/>
+              <a:t>45,'2020/12/05',117,148,406.0</a:t>
+            </a:r>
+          </a:p>
+          <a:p>
+            <a:r>
+              <a:rPr lang="fr-FR" dirty="0"/>
+              <a:t>60,'2020/12/06',102,127,300.0</a:t>
+            </a:r>
+          </a:p>
+          <a:p>
+            <a:r>
+              <a:rPr lang="fr-FR" dirty="0"/>
+              <a:t>60,'2020/12/07',110,136,374.0</a:t>
+            </a:r>
+          </a:p>
+          <a:p>
+            <a:r>
+              <a:rPr lang="fr-FR" dirty="0"/>
+              <a:t>450,'2020/12/08',104,134,253.3</a:t>
+            </a:r>
+          </a:p>
+          <a:p>
+            <a:r>
+              <a:rPr lang="fr-FR" dirty="0"/>
+              <a:t>30,'2020/12/09',109,133,195.1</a:t>
+            </a:r>
+          </a:p>
+          <a:p>
+            <a:r>
+              <a:rPr lang="fr-FR" dirty="0"/>
+              <a:t>60,'2020/12/10',98,124,269.0</a:t>
+            </a:r>
+          </a:p>
+          <a:p>
+            <a:r>
+              <a:rPr lang="fr-FR" dirty="0"/>
+              <a:t>60,'2020/12/11',103,147,329.3</a:t>
+            </a:r>
+          </a:p>
+          <a:p>
+            <a:r>
+              <a:rPr lang="fr-FR" dirty="0"/>
+              <a:t>60,'2020/12/12',100,120,250.7</a:t>
+            </a:r>
+          </a:p>
+          <a:p>
+            <a:r>
+              <a:rPr lang="fr-FR" dirty="0"/>
+              <a:t>60,'2020/12/12',100,120,250.7</a:t>
+            </a:r>
+          </a:p>
+          <a:p>
+            <a:r>
+              <a:rPr lang="fr-FR" dirty="0"/>
+              <a:t>60,'2020/12/13',106,128,345.3</a:t>
+            </a:r>
+          </a:p>
+          <a:p>
+            <a:r>
+              <a:rPr lang="fr-FR" dirty="0"/>
+              <a:t>60,'2020/12/14',104,132,379.3</a:t>
+            </a:r>
+          </a:p>
+          <a:p>
+            <a:r>
+              <a:rPr lang="fr-FR" dirty="0"/>
+              <a:t>60,'2020/12/15',98,123,275.0</a:t>
+            </a:r>
+          </a:p>
+          <a:p>
+            <a:r>
+              <a:rPr lang="fr-FR" dirty="0"/>
+              <a:t>60,'2020/12/16',98,120,215.2</a:t>
+            </a:r>
+          </a:p>
+          <a:p>
+            <a:r>
+              <a:rPr lang="fr-FR" dirty="0"/>
+              <a:t>60,'2020/12/17',100,120,300.0</a:t>
+            </a:r>
+          </a:p>
+          <a:p>
+            <a:r>
+              <a:rPr lang="fr-FR" dirty="0"/>
+              <a:t>45,'2020/12/18',90,112,</a:t>
+            </a:r>
+          </a:p>
+          <a:p>
+            <a:r>
+              <a:rPr lang="fr-FR" dirty="0"/>
+              <a:t>60,'2020/12/19',103,123,323.0</a:t>
+            </a:r>
+          </a:p>
+          <a:p>
+            <a:r>
+              <a:rPr lang="fr-FR" dirty="0"/>
+              <a:t>45,'2020/12/20',97,125,243.0</a:t>
+            </a:r>
+          </a:p>
+          <a:p>
+            <a:r>
+              <a:rPr lang="fr-FR" dirty="0"/>
+              <a:t>60,'2020/12/21',108,131,364.2</a:t>
+            </a:r>
+          </a:p>
+          <a:p>
+            <a:r>
+              <a:rPr lang="fr-FR" dirty="0"/>
+              <a:t>45,,100,119,282.0</a:t>
+            </a:r>
+          </a:p>
+          <a:p>
+            <a:r>
+              <a:rPr lang="fr-FR" dirty="0"/>
+              <a:t>60,'2020/12/23',130,101,300.0</a:t>
+            </a:r>
+          </a:p>
+          <a:p>
+            <a:r>
+              <a:rPr lang="fr-FR" dirty="0"/>
+              <a:t>45,'2020/12/24',105,132,246.0</a:t>
+            </a:r>
+          </a:p>
+          <a:p>
+            <a:r>
+              <a:rPr lang="fr-FR" dirty="0"/>
+              <a:t>60,'2020/12/25',102,126,334.5</a:t>
+            </a:r>
+          </a:p>
+          <a:p>
+            <a:r>
+              <a:rPr lang="fr-FR" dirty="0"/>
+              <a:t>60,20201226,100,120,250.0</a:t>
+            </a:r>
+          </a:p>
+          <a:p>
+            <a:r>
+              <a:rPr lang="fr-FR" dirty="0"/>
+              <a:t>60,'2020/12/27',92,118,241.0</a:t>
+            </a:r>
+          </a:p>
+          <a:p>
+            <a:r>
+              <a:rPr lang="fr-FR" dirty="0"/>
+              <a:t>60,'2020/12/28',103,132,</a:t>
+            </a:r>
+          </a:p>
+          <a:p>
+            <a:r>
+              <a:rPr lang="fr-FR" dirty="0"/>
+              <a:t>60,'2020/12/29',100,132,280.0</a:t>
+            </a:r>
+          </a:p>
+          <a:p>
+            <a:r>
+              <a:rPr lang="fr-FR" dirty="0"/>
+              <a:t>60,'2020/12/30',102,129,380.3</a:t>
+            </a:r>
+          </a:p>
+          <a:p>
+            <a:r>
+              <a:rPr lang="fr-FR" dirty="0"/>
+              <a:t>60,'2020/12/31',92,115,243.0</a:t>
+            </a:r>
+          </a:p>
+          <a:p>
+            <a:endParaRPr lang="en-US" dirty="0"/>
+          </a:p>
+        </p:txBody>
+      </p:sp>
+      <p:sp>
+        <p:nvSpPr>
+          <p:cNvPr id="4" name="Slide Number Placeholder 3"/>
+          <p:cNvSpPr>
+            <a:spLocks noGrp="1"/>
+          </p:cNvSpPr>
+          <p:nvPr>
+            <p:ph type="sldNum" sz="quarter" idx="5"/>
+          </p:nvPr>
+        </p:nvSpPr>
+        <p:spPr/>
+        <p:txBody>
+          <a:bodyPr/>
+          <a:lstStyle/>
+          <a:p>
+            <a:fld id="{045EC52E-CB9E-634A-9E0A-865275A8C39D}" type="slidenum">
+              <a:rPr lang="x-none" smtClean="0"/>
+              <a:t>21</a:t>
+            </a:fld>
+            <a:endParaRPr lang="x-none"/>
+          </a:p>
+        </p:txBody>
+      </p:sp>
+    </p:spTree>
+    <p:extLst>
+      <p:ext uri="{BB962C8B-B14F-4D97-AF65-F5344CB8AC3E}">
+        <p14:creationId xmlns:p14="http://schemas.microsoft.com/office/powerpoint/2010/main" val="1504310382"/>
+      </p:ext>
+    </p:extLst>
+  </p:cSld>
+  <p:clrMapOvr>
+    <a:masterClrMapping/>
+  </p:clrMapOvr>
+</p:notes>
+</file>
+
+<file path=ppt/notesSlides/notesSlide6.xml><?xml version="1.0" encoding="utf-8"?>
+<p:notes xmlns:a="http://schemas.openxmlformats.org/drawingml/2006/main" xmlns:r="http://schemas.openxmlformats.org/officeDocument/2006/relationships" xmlns:p="http://schemas.openxmlformats.org/presentationml/2006/main">
+  <p:cSld>
+    <p:spTree>
+      <p:nvGrpSpPr>
+        <p:cNvPr id="1" name="">
+          <a:extLst>
+            <a:ext uri="{FF2B5EF4-FFF2-40B4-BE49-F238E27FC236}">
+              <a16:creationId xmlns:a16="http://schemas.microsoft.com/office/drawing/2014/main" id="{49136BD9-9E3B-6474-03BD-405A264894FF}"/>
+            </a:ext>
+          </a:extLst>
+        </p:cNvPr>
+        <p:cNvGrpSpPr/>
+        <p:nvPr/>
+      </p:nvGrpSpPr>
+      <p:grpSpPr>
+        <a:xfrm>
+          <a:off x="0" y="0"/>
+          <a:ext cx="0" cy="0"/>
+          <a:chOff x="0" y="0"/>
+          <a:chExt cx="0" cy="0"/>
+        </a:xfrm>
+      </p:grpSpPr>
+      <p:sp>
+        <p:nvSpPr>
+          <p:cNvPr id="2" name="Slide Image Placeholder 1">
+            <a:extLst>
+              <a:ext uri="{FF2B5EF4-FFF2-40B4-BE49-F238E27FC236}">
+                <a16:creationId xmlns:a16="http://schemas.microsoft.com/office/drawing/2014/main" id="{07ECDB02-36BF-C5F3-9FF6-851783508576}"/>
+              </a:ext>
+            </a:extLst>
+          </p:cNvPr>
+          <p:cNvSpPr>
+            <a:spLocks noGrp="1" noRot="1" noChangeAspect="1"/>
+          </p:cNvSpPr>
+          <p:nvPr>
+            <p:ph type="sldImg"/>
+          </p:nvPr>
+        </p:nvSpPr>
+        <p:spPr/>
+      </p:sp>
+      <p:sp>
+        <p:nvSpPr>
+          <p:cNvPr id="3" name="Notes Placeholder 2">
+            <a:extLst>
+              <a:ext uri="{FF2B5EF4-FFF2-40B4-BE49-F238E27FC236}">
+                <a16:creationId xmlns:a16="http://schemas.microsoft.com/office/drawing/2014/main" id="{FD939022-FFAE-A3F8-925A-5EB8D841DFF1}"/>
+              </a:ext>
+            </a:extLst>
+          </p:cNvPr>
+          <p:cNvSpPr>
+            <a:spLocks noGrp="1"/>
+          </p:cNvSpPr>
+          <p:nvPr>
+            <p:ph type="body" idx="1"/>
+          </p:nvPr>
+        </p:nvSpPr>
+        <p:spPr/>
+        <p:txBody>
+          <a:bodyPr/>
+          <a:lstStyle/>
+          <a:p>
+            <a:endParaRPr lang="en-US" dirty="0"/>
+          </a:p>
+        </p:txBody>
+      </p:sp>
+      <p:sp>
+        <p:nvSpPr>
+          <p:cNvPr id="4" name="Slide Number Placeholder 3">
+            <a:extLst>
+              <a:ext uri="{FF2B5EF4-FFF2-40B4-BE49-F238E27FC236}">
+                <a16:creationId xmlns:a16="http://schemas.microsoft.com/office/drawing/2014/main" id="{2E113C44-D5BC-EDF9-C261-DFCB8EEA7B8B}"/>
+              </a:ext>
+            </a:extLst>
+          </p:cNvPr>
+          <p:cNvSpPr>
+            <a:spLocks noGrp="1"/>
+          </p:cNvSpPr>
+          <p:nvPr>
+            <p:ph type="sldNum" sz="quarter" idx="5"/>
+          </p:nvPr>
+        </p:nvSpPr>
+        <p:spPr/>
+        <p:txBody>
+          <a:bodyPr/>
+          <a:lstStyle/>
+          <a:p>
+            <a:fld id="{045EC52E-CB9E-634A-9E0A-865275A8C39D}" type="slidenum">
+              <a:rPr lang="x-none" smtClean="0"/>
+              <a:t>22</a:t>
+            </a:fld>
+            <a:endParaRPr lang="x-none"/>
+          </a:p>
+        </p:txBody>
+      </p:sp>
+    </p:spTree>
+    <p:extLst>
+      <p:ext uri="{BB962C8B-B14F-4D97-AF65-F5344CB8AC3E}">
+        <p14:creationId xmlns:p14="http://schemas.microsoft.com/office/powerpoint/2010/main" val="122587743"/>
+      </p:ext>
+    </p:extLst>
+  </p:cSld>
+  <p:clrMapOvr>
+    <a:masterClrMapping/>
+  </p:clrMapOvr>
+</p:notes>
+</file>
+
+<file path=ppt/notesSlides/notesSlide7.xml><?xml version="1.0" encoding="utf-8"?>
+<p:notes xmlns:a="http://schemas.openxmlformats.org/drawingml/2006/main" xmlns:r="http://schemas.openxmlformats.org/officeDocument/2006/relationships" xmlns:p="http://schemas.openxmlformats.org/presentationml/2006/main">
+  <p:cSld>
+    <p:spTree>
+      <p:nvGrpSpPr>
+        <p:cNvPr id="1" name="">
+          <a:extLst>
+            <a:ext uri="{FF2B5EF4-FFF2-40B4-BE49-F238E27FC236}">
+              <a16:creationId xmlns:a16="http://schemas.microsoft.com/office/drawing/2014/main" id="{C29F902D-EB2F-7FCC-FF77-31F53C80D581}"/>
+            </a:ext>
+          </a:extLst>
+        </p:cNvPr>
+        <p:cNvGrpSpPr/>
+        <p:nvPr/>
+      </p:nvGrpSpPr>
+      <p:grpSpPr>
+        <a:xfrm>
+          <a:off x="0" y="0"/>
+          <a:ext cx="0" cy="0"/>
+          <a:chOff x="0" y="0"/>
+          <a:chExt cx="0" cy="0"/>
+        </a:xfrm>
+      </p:grpSpPr>
+      <p:sp>
+        <p:nvSpPr>
+          <p:cNvPr id="2" name="Slide Image Placeholder 1">
+            <a:extLst>
+              <a:ext uri="{FF2B5EF4-FFF2-40B4-BE49-F238E27FC236}">
+                <a16:creationId xmlns:a16="http://schemas.microsoft.com/office/drawing/2014/main" id="{32A02C6A-FAEC-BCAD-31DA-EC47285A6FFF}"/>
+              </a:ext>
+            </a:extLst>
+          </p:cNvPr>
+          <p:cNvSpPr>
+            <a:spLocks noGrp="1" noRot="1" noChangeAspect="1"/>
+          </p:cNvSpPr>
+          <p:nvPr>
+            <p:ph type="sldImg"/>
+          </p:nvPr>
+        </p:nvSpPr>
+        <p:spPr/>
+      </p:sp>
+      <p:sp>
+        <p:nvSpPr>
+          <p:cNvPr id="3" name="Notes Placeholder 2">
+            <a:extLst>
+              <a:ext uri="{FF2B5EF4-FFF2-40B4-BE49-F238E27FC236}">
+                <a16:creationId xmlns:a16="http://schemas.microsoft.com/office/drawing/2014/main" id="{1ABEFDCD-C99D-62A5-521E-03EE4C68E2CD}"/>
+              </a:ext>
+            </a:extLst>
+          </p:cNvPr>
+          <p:cNvSpPr>
+            <a:spLocks noGrp="1"/>
+          </p:cNvSpPr>
+          <p:nvPr>
+            <p:ph type="body" idx="1"/>
+          </p:nvPr>
+        </p:nvSpPr>
+        <p:spPr/>
+        <p:txBody>
+          <a:bodyPr/>
+          <a:lstStyle/>
+          <a:p>
+            <a:endParaRPr lang="en-US" dirty="0"/>
+          </a:p>
+        </p:txBody>
+      </p:sp>
+      <p:sp>
+        <p:nvSpPr>
+          <p:cNvPr id="4" name="Slide Number Placeholder 3">
+            <a:extLst>
+              <a:ext uri="{FF2B5EF4-FFF2-40B4-BE49-F238E27FC236}">
+                <a16:creationId xmlns:a16="http://schemas.microsoft.com/office/drawing/2014/main" id="{364B91B5-3959-76A9-5B46-2CDB47BA5A1E}"/>
+              </a:ext>
+            </a:extLst>
+          </p:cNvPr>
+          <p:cNvSpPr>
+            <a:spLocks noGrp="1"/>
+          </p:cNvSpPr>
+          <p:nvPr>
+            <p:ph type="sldNum" sz="quarter" idx="5"/>
+          </p:nvPr>
+        </p:nvSpPr>
+        <p:spPr/>
+        <p:txBody>
+          <a:bodyPr/>
+          <a:lstStyle/>
+          <a:p>
+            <a:fld id="{045EC52E-CB9E-634A-9E0A-865275A8C39D}" type="slidenum">
+              <a:rPr lang="x-none" smtClean="0"/>
+              <a:t>23</a:t>
+            </a:fld>
+            <a:endParaRPr lang="x-none"/>
+          </a:p>
+        </p:txBody>
+      </p:sp>
+    </p:spTree>
+    <p:extLst>
+      <p:ext uri="{BB962C8B-B14F-4D97-AF65-F5344CB8AC3E}">
+        <p14:creationId xmlns:p14="http://schemas.microsoft.com/office/powerpoint/2010/main" val="2611077701"/>
       </p:ext>
     </p:extLst>
   </p:cSld>
@@ -8962,7 +9639,7 @@
                 <a14:useLocalDpi xmlns:a14="http://schemas.microsoft.com/office/drawing/2010/main" val="0"/>
               </a:ext>
               <a:ext uri="{96DAC541-7B7A-43D3-8B79-37D633B846F1}">
-                <asvg:svgBlip xmlns="" xmlns:asvg="http://schemas.microsoft.com/office/drawing/2016/SVG/main" r:embed="rId3"/>
+                <asvg:svgBlip xmlns:asvg="http://schemas.microsoft.com/office/drawing/2016/SVG/main" r:embed="rId3"/>
               </a:ext>
             </a:extLst>
           </a:blip>
@@ -9923,17 +10600,9 @@
               <a:rPr lang="en-US" dirty="0" err="1"/>
               <a:t>pd</a:t>
             </a:r>
-            <a:r>
-              <a:rPr lang="en-US" dirty="0"/>
-              <a:t/>
-            </a:r>
             <a:br>
               <a:rPr lang="en-US" dirty="0"/>
             </a:br>
-            <a:r>
-              <a:rPr lang="en-US" dirty="0"/>
-              <a:t/>
-            </a:r>
             <a:br>
               <a:rPr lang="en-US" dirty="0"/>
             </a:br>
@@ -9965,10 +10634,6 @@
             <a:br>
               <a:rPr lang="en-US" dirty="0"/>
             </a:br>
-            <a:r>
-              <a:rPr lang="en-US" dirty="0"/>
-              <a:t/>
-            </a:r>
             <a:br>
               <a:rPr lang="en-US" dirty="0"/>
             </a:br>
@@ -10003,10 +10668,6 @@
             <a:br>
               <a:rPr lang="en-US" dirty="0"/>
             </a:br>
-            <a:r>
-              <a:rPr lang="en-US" dirty="0"/>
-              <a:t/>
-            </a:r>
             <a:br>
               <a:rPr lang="en-US" dirty="0"/>
             </a:br>
@@ -10616,17 +11277,9 @@
               <a:rPr lang="en-US" dirty="0" err="1"/>
               <a:t>pd</a:t>
             </a:r>
-            <a:r>
-              <a:rPr lang="en-US" dirty="0"/>
-              <a:t/>
-            </a:r>
             <a:br>
               <a:rPr lang="en-US" dirty="0"/>
             </a:br>
-            <a:r>
-              <a:rPr lang="en-US" dirty="0"/>
-              <a:t/>
-            </a:r>
             <a:br>
               <a:rPr lang="en-US" dirty="0"/>
             </a:br>
@@ -10649,10 +11302,6 @@
             <a:br>
               <a:rPr lang="en-US" dirty="0"/>
             </a:br>
-            <a:r>
-              <a:rPr lang="en-US" dirty="0"/>
-              <a:t/>
-            </a:r>
             <a:br>
               <a:rPr lang="en-US" dirty="0"/>
             </a:br>
@@ -11407,22 +12056,13 @@
           <a:lstStyle/>
           <a:p>
             <a:r>
-              <a:rPr lang="en-US" sz="4000" b="1" dirty="0" smtClean="0">
-                <a:solidFill>
-                  <a:srgbClr val="006DC5"/>
-                </a:solidFill>
-                <a:latin typeface="+mj-lt"/>
-              </a:rPr>
-              <a:t>Using </a:t>
-            </a:r>
-            <a:r>
               <a:rPr lang="en-US" sz="4000" b="1" dirty="0">
                 <a:solidFill>
                   <a:srgbClr val="006DC5"/>
                 </a:solidFill>
                 <a:latin typeface="+mj-lt"/>
               </a:rPr>
-              <a:t>Mean, Median, or Mode</a:t>
+              <a:t>Using Mean, Median, or Mode</a:t>
             </a:r>
             <a:endParaRPr lang="en-US" dirty="0"/>
           </a:p>
@@ -11909,6 +12549,486 @@
 </p:sld>
 </file>
 
+<file path=ppt/slides/slide19.xml><?xml version="1.0" encoding="utf-8"?>
+<p:sld xmlns:a="http://schemas.openxmlformats.org/drawingml/2006/main" xmlns:r="http://schemas.openxmlformats.org/officeDocument/2006/relationships" xmlns:p="http://schemas.openxmlformats.org/presentationml/2006/main">
+  <p:cSld>
+    <p:spTree>
+      <p:nvGrpSpPr>
+        <p:cNvPr id="1" name="">
+          <a:extLst>
+            <a:ext uri="{FF2B5EF4-FFF2-40B4-BE49-F238E27FC236}">
+              <a16:creationId xmlns:a16="http://schemas.microsoft.com/office/drawing/2014/main" id="{532A8A2D-3F7C-750C-3142-E1AD2064D556}"/>
+            </a:ext>
+          </a:extLst>
+        </p:cNvPr>
+        <p:cNvGrpSpPr/>
+        <p:nvPr/>
+      </p:nvGrpSpPr>
+      <p:grpSpPr>
+        <a:xfrm>
+          <a:off x="0" y="0"/>
+          <a:ext cx="0" cy="0"/>
+          <a:chOff x="0" y="0"/>
+          <a:chExt cx="0" cy="0"/>
+        </a:xfrm>
+      </p:grpSpPr>
+      <p:pic>
+        <p:nvPicPr>
+          <p:cNvPr id="3" name="Picture 2">
+            <a:extLst>
+              <a:ext uri="{FF2B5EF4-FFF2-40B4-BE49-F238E27FC236}">
+                <a16:creationId xmlns:a16="http://schemas.microsoft.com/office/drawing/2014/main" id="{2D0A2431-C471-60E8-D3F5-303D5AB19286}"/>
+              </a:ext>
+            </a:extLst>
+          </p:cNvPr>
+          <p:cNvPicPr>
+            <a:picLocks noChangeAspect="1"/>
+          </p:cNvPicPr>
+          <p:nvPr/>
+        </p:nvPicPr>
+        <p:blipFill>
+          <a:blip r:embed="rId3">
+            <a:extLst>
+              <a:ext uri="{28A0092B-C50C-407E-A947-70E740481C1C}">
+                <a14:useLocalDpi xmlns:a14="http://schemas.microsoft.com/office/drawing/2010/main" val="0"/>
+              </a:ext>
+            </a:extLst>
+          </a:blip>
+          <a:stretch>
+            <a:fillRect/>
+          </a:stretch>
+        </p:blipFill>
+        <p:spPr>
+          <a:xfrm>
+            <a:off x="10774496" y="1"/>
+            <a:ext cx="1417504" cy="1417504"/>
+          </a:xfrm>
+          <a:prstGeom prst="rect">
+            <a:avLst/>
+          </a:prstGeom>
+        </p:spPr>
+      </p:pic>
+      <p:sp>
+        <p:nvSpPr>
+          <p:cNvPr id="4" name="TextBox 3">
+            <a:extLst>
+              <a:ext uri="{FF2B5EF4-FFF2-40B4-BE49-F238E27FC236}">
+                <a16:creationId xmlns:a16="http://schemas.microsoft.com/office/drawing/2014/main" id="{38526D2B-7FE4-3A46-C4BE-7D0013431801}"/>
+              </a:ext>
+            </a:extLst>
+          </p:cNvPr>
+          <p:cNvSpPr txBox="1"/>
+          <p:nvPr/>
+        </p:nvSpPr>
+        <p:spPr>
+          <a:xfrm>
+            <a:off x="88135" y="187287"/>
+            <a:ext cx="9981281" cy="707886"/>
+          </a:xfrm>
+          <a:prstGeom prst="rect">
+            <a:avLst/>
+          </a:prstGeom>
+          <a:noFill/>
+        </p:spPr>
+        <p:txBody>
+          <a:bodyPr wrap="square" lIns="91440" tIns="45720" rIns="91440" bIns="45720" rtlCol="0" anchor="t">
+            <a:spAutoFit/>
+          </a:bodyPr>
+          <a:lstStyle/>
+          <a:p>
+            <a:r>
+              <a:rPr lang="en-US" sz="4000" b="1" dirty="0">
+                <a:solidFill>
+                  <a:srgbClr val="006DC5"/>
+                </a:solidFill>
+                <a:latin typeface="+mj-lt"/>
+              </a:rPr>
+              <a:t>Mean</a:t>
+            </a:r>
+            <a:endParaRPr lang="en-US" dirty="0"/>
+          </a:p>
+        </p:txBody>
+      </p:sp>
+      <p:cxnSp>
+        <p:nvCxnSpPr>
+          <p:cNvPr id="5" name="Google Shape;158;p16">
+            <a:extLst>
+              <a:ext uri="{FF2B5EF4-FFF2-40B4-BE49-F238E27FC236}">
+                <a16:creationId xmlns:a16="http://schemas.microsoft.com/office/drawing/2014/main" id="{4CE081A0-4B68-4309-F525-AEEE4428B9F0}"/>
+              </a:ext>
+            </a:extLst>
+          </p:cNvPr>
+          <p:cNvCxnSpPr/>
+          <p:nvPr/>
+        </p:nvCxnSpPr>
+        <p:spPr>
+          <a:xfrm flipH="1">
+            <a:off x="8688550" y="5531331"/>
+            <a:ext cx="3431400" cy="987000"/>
+          </a:xfrm>
+          <a:prstGeom prst="bentConnector3">
+            <a:avLst>
+              <a:gd name="adj1" fmla="val 45484"/>
+            </a:avLst>
+          </a:prstGeom>
+          <a:noFill/>
+          <a:ln w="19050" cap="flat" cmpd="sng">
+            <a:solidFill>
+              <a:srgbClr val="006DC5"/>
+            </a:solidFill>
+            <a:prstDash val="solid"/>
+            <a:round/>
+            <a:headEnd type="none" w="med" len="med"/>
+            <a:tailEnd type="oval" w="med" len="med"/>
+          </a:ln>
+        </p:spPr>
+      </p:cxnSp>
+      <p:cxnSp>
+        <p:nvCxnSpPr>
+          <p:cNvPr id="6" name="Google Shape;159;p16">
+            <a:extLst>
+              <a:ext uri="{FF2B5EF4-FFF2-40B4-BE49-F238E27FC236}">
+                <a16:creationId xmlns:a16="http://schemas.microsoft.com/office/drawing/2014/main" id="{A98AFC57-170D-FDA2-F605-7F0F6198C904}"/>
+              </a:ext>
+            </a:extLst>
+          </p:cNvPr>
+          <p:cNvCxnSpPr/>
+          <p:nvPr/>
+        </p:nvCxnSpPr>
+        <p:spPr>
+          <a:xfrm flipH="1">
+            <a:off x="9388800" y="5729631"/>
+            <a:ext cx="2803200" cy="1018200"/>
+          </a:xfrm>
+          <a:prstGeom prst="bentConnector3">
+            <a:avLst>
+              <a:gd name="adj1" fmla="val 50000"/>
+            </a:avLst>
+          </a:prstGeom>
+          <a:noFill/>
+          <a:ln w="19050" cap="flat" cmpd="sng">
+            <a:solidFill>
+              <a:srgbClr val="006DC5"/>
+            </a:solidFill>
+            <a:prstDash val="solid"/>
+            <a:round/>
+            <a:headEnd type="none" w="med" len="med"/>
+            <a:tailEnd type="oval" w="med" len="med"/>
+          </a:ln>
+        </p:spPr>
+      </p:cxnSp>
+      <p:sp>
+        <p:nvSpPr>
+          <p:cNvPr id="2" name="TextBox 1">
+            <a:extLst>
+              <a:ext uri="{FF2B5EF4-FFF2-40B4-BE49-F238E27FC236}">
+                <a16:creationId xmlns:a16="http://schemas.microsoft.com/office/drawing/2014/main" id="{678F9712-BA65-3483-00B4-F3D47C18275E}"/>
+              </a:ext>
+            </a:extLst>
+          </p:cNvPr>
+          <p:cNvSpPr txBox="1"/>
+          <p:nvPr/>
+        </p:nvSpPr>
+        <p:spPr>
+          <a:xfrm>
+            <a:off x="510363" y="1775637"/>
+            <a:ext cx="4261142" cy="2923877"/>
+          </a:xfrm>
+          <a:prstGeom prst="rect">
+            <a:avLst/>
+          </a:prstGeom>
+          <a:noFill/>
+        </p:spPr>
+        <p:txBody>
+          <a:bodyPr wrap="square" rtlCol="0">
+            <a:spAutoFit/>
+          </a:bodyPr>
+          <a:lstStyle/>
+          <a:p>
+            <a:r>
+              <a:rPr lang="en-US" sz="2000" dirty="0"/>
+              <a:t>import pandas as pd</a:t>
+            </a:r>
+          </a:p>
+          <a:p>
+            <a:endParaRPr lang="en-US" sz="2000" dirty="0"/>
+          </a:p>
+          <a:p>
+            <a:r>
+              <a:rPr lang="en-US" sz="2000" dirty="0" err="1"/>
+              <a:t>df</a:t>
+            </a:r>
+            <a:r>
+              <a:rPr lang="en-US" sz="2000" dirty="0"/>
+              <a:t> = </a:t>
+            </a:r>
+            <a:r>
+              <a:rPr lang="en-US" sz="2000" dirty="0" err="1"/>
+              <a:t>pd.read_csv</a:t>
+            </a:r>
+            <a:r>
+              <a:rPr lang="en-US" sz="2000" dirty="0"/>
+              <a:t>('data.csv')</a:t>
+            </a:r>
+          </a:p>
+          <a:p>
+            <a:endParaRPr lang="en-US" sz="2000" dirty="0"/>
+          </a:p>
+          <a:p>
+            <a:r>
+              <a:rPr lang="en-US" sz="2400" dirty="0">
+                <a:solidFill>
+                  <a:schemeClr val="accent1"/>
+                </a:solidFill>
+              </a:rPr>
+              <a:t>x = </a:t>
+            </a:r>
+            <a:r>
+              <a:rPr lang="en-US" sz="2400" dirty="0" err="1">
+                <a:solidFill>
+                  <a:schemeClr val="accent1"/>
+                </a:solidFill>
+              </a:rPr>
+              <a:t>df</a:t>
+            </a:r>
+            <a:r>
+              <a:rPr lang="en-US" sz="2400" dirty="0">
+                <a:solidFill>
+                  <a:schemeClr val="accent1"/>
+                </a:solidFill>
+              </a:rPr>
+              <a:t>["Calories"].mean()</a:t>
+            </a:r>
+          </a:p>
+          <a:p>
+            <a:endParaRPr lang="en-US" sz="2000" dirty="0"/>
+          </a:p>
+          <a:p>
+            <a:r>
+              <a:rPr lang="en-US" sz="2000" dirty="0" err="1"/>
+              <a:t>df</a:t>
+            </a:r>
+            <a:r>
+              <a:rPr lang="en-US" sz="2000" dirty="0"/>
+              <a:t>["Calories"].</a:t>
+            </a:r>
+            <a:r>
+              <a:rPr lang="en-US" sz="2000" dirty="0" err="1"/>
+              <a:t>fillna</a:t>
+            </a:r>
+            <a:r>
+              <a:rPr lang="en-US" sz="2000" dirty="0"/>
+              <a:t>(x, </a:t>
+            </a:r>
+            <a:r>
+              <a:rPr lang="en-US" sz="2000" dirty="0" err="1"/>
+              <a:t>inplace</a:t>
+            </a:r>
+            <a:r>
+              <a:rPr lang="en-US" sz="2000" dirty="0"/>
+              <a:t> = True)</a:t>
+            </a:r>
+          </a:p>
+          <a:p>
+            <a:endParaRPr lang="en-US" sz="2000" dirty="0"/>
+          </a:p>
+          <a:p>
+            <a:r>
+              <a:rPr lang="en-US" sz="2000" dirty="0"/>
+              <a:t>print(</a:t>
+            </a:r>
+            <a:r>
+              <a:rPr lang="en-US" sz="2000" dirty="0" err="1"/>
+              <a:t>df.to_string</a:t>
+            </a:r>
+            <a:r>
+              <a:rPr lang="en-US" sz="2000" dirty="0"/>
+              <a:t>())</a:t>
+            </a:r>
+          </a:p>
+        </p:txBody>
+      </p:sp>
+      <p:sp>
+        <p:nvSpPr>
+          <p:cNvPr id="8" name="Rectangle 7">
+            <a:extLst>
+              <a:ext uri="{FF2B5EF4-FFF2-40B4-BE49-F238E27FC236}">
+                <a16:creationId xmlns:a16="http://schemas.microsoft.com/office/drawing/2014/main" id="{39D6B95D-732A-6488-435D-7A5E06365A34}"/>
+              </a:ext>
+            </a:extLst>
+          </p:cNvPr>
+          <p:cNvSpPr/>
+          <p:nvPr/>
+        </p:nvSpPr>
+        <p:spPr>
+          <a:xfrm>
+            <a:off x="382772" y="1679944"/>
+            <a:ext cx="4261142" cy="3124812"/>
+          </a:xfrm>
+          <a:prstGeom prst="rect">
+            <a:avLst/>
+          </a:prstGeom>
+          <a:noFill/>
+        </p:spPr>
+        <p:style>
+          <a:lnRef idx="2">
+            <a:schemeClr val="accent1">
+              <a:shade val="50000"/>
+            </a:schemeClr>
+          </a:lnRef>
+          <a:fillRef idx="1">
+            <a:schemeClr val="accent1"/>
+          </a:fillRef>
+          <a:effectRef idx="0">
+            <a:schemeClr val="accent1"/>
+          </a:effectRef>
+          <a:fontRef idx="minor">
+            <a:schemeClr val="lt1"/>
+          </a:fontRef>
+        </p:style>
+        <p:txBody>
+          <a:bodyPr rtlCol="0" anchor="ctr"/>
+          <a:lstStyle/>
+          <a:p>
+            <a:pPr algn="ctr"/>
+            <a:endParaRPr lang="en-US"/>
+          </a:p>
+        </p:txBody>
+      </p:sp>
+      <p:pic>
+        <p:nvPicPr>
+          <p:cNvPr id="9" name="Picture 8">
+            <a:extLst>
+              <a:ext uri="{FF2B5EF4-FFF2-40B4-BE49-F238E27FC236}">
+                <a16:creationId xmlns:a16="http://schemas.microsoft.com/office/drawing/2014/main" id="{6C334E41-91D9-AB0F-566D-E4EDE3369655}"/>
+              </a:ext>
+            </a:extLst>
+          </p:cNvPr>
+          <p:cNvPicPr>
+            <a:picLocks noChangeAspect="1"/>
+          </p:cNvPicPr>
+          <p:nvPr/>
+        </p:nvPicPr>
+        <p:blipFill>
+          <a:blip r:embed="rId4"/>
+          <a:stretch>
+            <a:fillRect/>
+          </a:stretch>
+        </p:blipFill>
+        <p:spPr>
+          <a:xfrm>
+            <a:off x="5725410" y="1679944"/>
+            <a:ext cx="4344006" cy="3648584"/>
+          </a:xfrm>
+          <a:prstGeom prst="rect">
+            <a:avLst/>
+          </a:prstGeom>
+        </p:spPr>
+      </p:pic>
+      <p:sp>
+        <p:nvSpPr>
+          <p:cNvPr id="10" name="TextBox 9">
+            <a:extLst>
+              <a:ext uri="{FF2B5EF4-FFF2-40B4-BE49-F238E27FC236}">
+                <a16:creationId xmlns:a16="http://schemas.microsoft.com/office/drawing/2014/main" id="{C655F294-5FA3-77FF-6FD6-EA2102B142EA}"/>
+              </a:ext>
+            </a:extLst>
+          </p:cNvPr>
+          <p:cNvSpPr txBox="1"/>
+          <p:nvPr/>
+        </p:nvSpPr>
+        <p:spPr>
+          <a:xfrm>
+            <a:off x="510363" y="5839523"/>
+            <a:ext cx="7497502" cy="369332"/>
+          </a:xfrm>
+          <a:prstGeom prst="rect">
+            <a:avLst/>
+          </a:prstGeom>
+          <a:noFill/>
+        </p:spPr>
+        <p:txBody>
+          <a:bodyPr wrap="none" rtlCol="0">
+            <a:spAutoFit/>
+          </a:bodyPr>
+          <a:lstStyle/>
+          <a:p>
+            <a:r>
+              <a:rPr lang="en-US" b="1" dirty="0"/>
+              <a:t>Mean</a:t>
+            </a:r>
+            <a:r>
+              <a:rPr lang="en-US" dirty="0"/>
+              <a:t> = the average value (the sum of all values divided by number of values).</a:t>
+            </a:r>
+          </a:p>
+        </p:txBody>
+      </p:sp>
+      <p:sp>
+        <p:nvSpPr>
+          <p:cNvPr id="11" name="Rectangle 10">
+            <a:extLst>
+              <a:ext uri="{FF2B5EF4-FFF2-40B4-BE49-F238E27FC236}">
+                <a16:creationId xmlns:a16="http://schemas.microsoft.com/office/drawing/2014/main" id="{9B3EB02D-7C92-1FBD-3116-A6E7408B519A}"/>
+              </a:ext>
+            </a:extLst>
+          </p:cNvPr>
+          <p:cNvSpPr/>
+          <p:nvPr/>
+        </p:nvSpPr>
+        <p:spPr>
+          <a:xfrm>
+            <a:off x="5725410" y="3504236"/>
+            <a:ext cx="4344006" cy="319619"/>
+          </a:xfrm>
+          <a:prstGeom prst="rect">
+            <a:avLst/>
+          </a:prstGeom>
+          <a:noFill/>
+          <a:ln>
+            <a:solidFill>
+              <a:srgbClr val="FF0000"/>
+            </a:solidFill>
+          </a:ln>
+        </p:spPr>
+        <p:style>
+          <a:lnRef idx="2">
+            <a:schemeClr val="accent1">
+              <a:shade val="15000"/>
+            </a:schemeClr>
+          </a:lnRef>
+          <a:fillRef idx="1">
+            <a:schemeClr val="accent1"/>
+          </a:fillRef>
+          <a:effectRef idx="0">
+            <a:schemeClr val="accent1"/>
+          </a:effectRef>
+          <a:fontRef idx="minor">
+            <a:schemeClr val="lt1"/>
+          </a:fontRef>
+        </p:style>
+        <p:txBody>
+          <a:bodyPr rtlCol="0" anchor="ctr"/>
+          <a:lstStyle/>
+          <a:p>
+            <a:pPr algn="ctr"/>
+            <a:endParaRPr lang="en-US"/>
+          </a:p>
+        </p:txBody>
+      </p:sp>
+    </p:spTree>
+    <p:extLst>
+      <p:ext uri="{BB962C8B-B14F-4D97-AF65-F5344CB8AC3E}">
+        <p14:creationId xmlns:p14="http://schemas.microsoft.com/office/powerpoint/2010/main" val="3399868878"/>
+      </p:ext>
+    </p:extLst>
+  </p:cSld>
+  <p:clrMapOvr>
+    <a:masterClrMapping/>
+  </p:clrMapOvr>
+</p:sld>
+</file>
+
 <file path=ppt/slides/slide2.xml><?xml version="1.0" encoding="utf-8"?>
 <p:sld xmlns:a="http://schemas.openxmlformats.org/drawingml/2006/main" xmlns:r="http://schemas.openxmlformats.org/officeDocument/2006/relationships" xmlns:p="http://schemas.openxmlformats.org/presentationml/2006/main">
   <p:cSld>
@@ -11949,7 +13069,7 @@
         </p:spPr>
         <p:txBody>
           <a:bodyPr vert="horz" lIns="91440" tIns="45720" rIns="91440" bIns="45720" rtlCol="0" anchor="b">
-            <a:normAutofit/>
+            <a:normAutofit fontScale="92500"/>
           </a:bodyPr>
           <a:lstStyle/>
           <a:p>
@@ -12120,7 +13240,7 @@
               </a:spcAft>
             </a:pPr>
             <a:r>
-              <a:rPr lang="en-US" sz="3600" dirty="0" smtClean="0">
+              <a:rPr lang="en-US" sz="3600" dirty="0">
                 <a:solidFill>
                   <a:schemeClr val="bg1"/>
                 </a:solidFill>
@@ -12130,14 +13250,6 @@
               </a:rPr>
               <a:t>Pandas</a:t>
             </a:r>
-            <a:endParaRPr lang="en-US" sz="3600" dirty="0">
-              <a:solidFill>
-                <a:schemeClr val="bg1"/>
-              </a:solidFill>
-              <a:latin typeface="Poppins SemiBold"/>
-              <a:ea typeface="宋体"/>
-              <a:cs typeface="Poppins SemiBold"/>
-            </a:endParaRPr>
           </a:p>
           <a:p>
             <a:pPr algn="ctr" defTabSz="1097280">
@@ -12241,6 +13353,1764 @@
     <p:extLst>
       <p:ext uri="{BB962C8B-B14F-4D97-AF65-F5344CB8AC3E}">
         <p14:creationId xmlns:p14="http://schemas.microsoft.com/office/powerpoint/2010/main" val="579776612"/>
+      </p:ext>
+    </p:extLst>
+  </p:cSld>
+  <p:clrMapOvr>
+    <a:masterClrMapping/>
+  </p:clrMapOvr>
+</p:sld>
+</file>
+
+<file path=ppt/slides/slide20.xml><?xml version="1.0" encoding="utf-8"?>
+<p:sld xmlns:a="http://schemas.openxmlformats.org/drawingml/2006/main" xmlns:r="http://schemas.openxmlformats.org/officeDocument/2006/relationships" xmlns:p="http://schemas.openxmlformats.org/presentationml/2006/main">
+  <p:cSld>
+    <p:spTree>
+      <p:nvGrpSpPr>
+        <p:cNvPr id="1" name="">
+          <a:extLst>
+            <a:ext uri="{FF2B5EF4-FFF2-40B4-BE49-F238E27FC236}">
+              <a16:creationId xmlns:a16="http://schemas.microsoft.com/office/drawing/2014/main" id="{0957E1E6-2137-B5E0-4D12-4AD35EE2CAAC}"/>
+            </a:ext>
+          </a:extLst>
+        </p:cNvPr>
+        <p:cNvGrpSpPr/>
+        <p:nvPr/>
+      </p:nvGrpSpPr>
+      <p:grpSpPr>
+        <a:xfrm>
+          <a:off x="0" y="0"/>
+          <a:ext cx="0" cy="0"/>
+          <a:chOff x="0" y="0"/>
+          <a:chExt cx="0" cy="0"/>
+        </a:xfrm>
+      </p:grpSpPr>
+      <p:pic>
+        <p:nvPicPr>
+          <p:cNvPr id="3" name="Picture 2">
+            <a:extLst>
+              <a:ext uri="{FF2B5EF4-FFF2-40B4-BE49-F238E27FC236}">
+                <a16:creationId xmlns:a16="http://schemas.microsoft.com/office/drawing/2014/main" id="{0FDCE352-3DEF-3333-FE17-DE32868B8820}"/>
+              </a:ext>
+            </a:extLst>
+          </p:cNvPr>
+          <p:cNvPicPr>
+            <a:picLocks noChangeAspect="1"/>
+          </p:cNvPicPr>
+          <p:nvPr/>
+        </p:nvPicPr>
+        <p:blipFill>
+          <a:blip r:embed="rId3">
+            <a:extLst>
+              <a:ext uri="{28A0092B-C50C-407E-A947-70E740481C1C}">
+                <a14:useLocalDpi xmlns:a14="http://schemas.microsoft.com/office/drawing/2010/main" val="0"/>
+              </a:ext>
+            </a:extLst>
+          </a:blip>
+          <a:stretch>
+            <a:fillRect/>
+          </a:stretch>
+        </p:blipFill>
+        <p:spPr>
+          <a:xfrm>
+            <a:off x="10774496" y="1"/>
+            <a:ext cx="1417504" cy="1417504"/>
+          </a:xfrm>
+          <a:prstGeom prst="rect">
+            <a:avLst/>
+          </a:prstGeom>
+        </p:spPr>
+      </p:pic>
+      <p:sp>
+        <p:nvSpPr>
+          <p:cNvPr id="4" name="TextBox 3">
+            <a:extLst>
+              <a:ext uri="{FF2B5EF4-FFF2-40B4-BE49-F238E27FC236}">
+                <a16:creationId xmlns:a16="http://schemas.microsoft.com/office/drawing/2014/main" id="{1D992681-C43A-0204-874D-8DC136D40667}"/>
+              </a:ext>
+            </a:extLst>
+          </p:cNvPr>
+          <p:cNvSpPr txBox="1"/>
+          <p:nvPr/>
+        </p:nvSpPr>
+        <p:spPr>
+          <a:xfrm>
+            <a:off x="88135" y="187287"/>
+            <a:ext cx="9981281" cy="707886"/>
+          </a:xfrm>
+          <a:prstGeom prst="rect">
+            <a:avLst/>
+          </a:prstGeom>
+          <a:noFill/>
+        </p:spPr>
+        <p:txBody>
+          <a:bodyPr wrap="square" lIns="91440" tIns="45720" rIns="91440" bIns="45720" rtlCol="0" anchor="t">
+            <a:spAutoFit/>
+          </a:bodyPr>
+          <a:lstStyle/>
+          <a:p>
+            <a:r>
+              <a:rPr lang="en-US" sz="4000" b="1" dirty="0">
+                <a:solidFill>
+                  <a:srgbClr val="006DC5"/>
+                </a:solidFill>
+                <a:latin typeface="+mj-lt"/>
+              </a:rPr>
+              <a:t>Median</a:t>
+            </a:r>
+            <a:endParaRPr lang="en-US" dirty="0"/>
+          </a:p>
+        </p:txBody>
+      </p:sp>
+      <p:cxnSp>
+        <p:nvCxnSpPr>
+          <p:cNvPr id="5" name="Google Shape;158;p16">
+            <a:extLst>
+              <a:ext uri="{FF2B5EF4-FFF2-40B4-BE49-F238E27FC236}">
+                <a16:creationId xmlns:a16="http://schemas.microsoft.com/office/drawing/2014/main" id="{3334307A-9AA6-DA29-79B6-BF3B33EAE054}"/>
+              </a:ext>
+            </a:extLst>
+          </p:cNvPr>
+          <p:cNvCxnSpPr/>
+          <p:nvPr/>
+        </p:nvCxnSpPr>
+        <p:spPr>
+          <a:xfrm flipH="1">
+            <a:off x="8688550" y="5531331"/>
+            <a:ext cx="3431400" cy="987000"/>
+          </a:xfrm>
+          <a:prstGeom prst="bentConnector3">
+            <a:avLst>
+              <a:gd name="adj1" fmla="val 45484"/>
+            </a:avLst>
+          </a:prstGeom>
+          <a:noFill/>
+          <a:ln w="19050" cap="flat" cmpd="sng">
+            <a:solidFill>
+              <a:srgbClr val="006DC5"/>
+            </a:solidFill>
+            <a:prstDash val="solid"/>
+            <a:round/>
+            <a:headEnd type="none" w="med" len="med"/>
+            <a:tailEnd type="oval" w="med" len="med"/>
+          </a:ln>
+        </p:spPr>
+      </p:cxnSp>
+      <p:cxnSp>
+        <p:nvCxnSpPr>
+          <p:cNvPr id="6" name="Google Shape;159;p16">
+            <a:extLst>
+              <a:ext uri="{FF2B5EF4-FFF2-40B4-BE49-F238E27FC236}">
+                <a16:creationId xmlns:a16="http://schemas.microsoft.com/office/drawing/2014/main" id="{E0A6DB0B-70B0-A8B5-8732-64F55119CD23}"/>
+              </a:ext>
+            </a:extLst>
+          </p:cNvPr>
+          <p:cNvCxnSpPr/>
+          <p:nvPr/>
+        </p:nvCxnSpPr>
+        <p:spPr>
+          <a:xfrm flipH="1">
+            <a:off x="9388800" y="5729631"/>
+            <a:ext cx="2803200" cy="1018200"/>
+          </a:xfrm>
+          <a:prstGeom prst="bentConnector3">
+            <a:avLst>
+              <a:gd name="adj1" fmla="val 50000"/>
+            </a:avLst>
+          </a:prstGeom>
+          <a:noFill/>
+          <a:ln w="19050" cap="flat" cmpd="sng">
+            <a:solidFill>
+              <a:srgbClr val="006DC5"/>
+            </a:solidFill>
+            <a:prstDash val="solid"/>
+            <a:round/>
+            <a:headEnd type="none" w="med" len="med"/>
+            <a:tailEnd type="oval" w="med" len="med"/>
+          </a:ln>
+        </p:spPr>
+      </p:cxnSp>
+      <p:sp>
+        <p:nvSpPr>
+          <p:cNvPr id="2" name="TextBox 1">
+            <a:extLst>
+              <a:ext uri="{FF2B5EF4-FFF2-40B4-BE49-F238E27FC236}">
+                <a16:creationId xmlns:a16="http://schemas.microsoft.com/office/drawing/2014/main" id="{C10B9C6D-3920-9A58-802A-FF4838DD70E9}"/>
+              </a:ext>
+            </a:extLst>
+          </p:cNvPr>
+          <p:cNvSpPr txBox="1"/>
+          <p:nvPr/>
+        </p:nvSpPr>
+        <p:spPr>
+          <a:xfrm>
+            <a:off x="510362" y="1775637"/>
+            <a:ext cx="4311019" cy="2923877"/>
+          </a:xfrm>
+          <a:prstGeom prst="rect">
+            <a:avLst/>
+          </a:prstGeom>
+          <a:noFill/>
+        </p:spPr>
+        <p:txBody>
+          <a:bodyPr wrap="square" rtlCol="0">
+            <a:spAutoFit/>
+          </a:bodyPr>
+          <a:lstStyle/>
+          <a:p>
+            <a:r>
+              <a:rPr lang="en-US" sz="2000" dirty="0"/>
+              <a:t>import pandas as pd</a:t>
+            </a:r>
+          </a:p>
+          <a:p>
+            <a:endParaRPr lang="en-US" sz="2000" dirty="0"/>
+          </a:p>
+          <a:p>
+            <a:r>
+              <a:rPr lang="en-US" sz="2000" dirty="0" err="1"/>
+              <a:t>df</a:t>
+            </a:r>
+            <a:r>
+              <a:rPr lang="en-US" sz="2000" dirty="0"/>
+              <a:t> = </a:t>
+            </a:r>
+            <a:r>
+              <a:rPr lang="en-US" sz="2000" dirty="0" err="1"/>
+              <a:t>pd.read_csv</a:t>
+            </a:r>
+            <a:r>
+              <a:rPr lang="en-US" sz="2000" dirty="0"/>
+              <a:t>('data.csv')</a:t>
+            </a:r>
+          </a:p>
+          <a:p>
+            <a:endParaRPr lang="en-US" sz="2000" dirty="0"/>
+          </a:p>
+          <a:p>
+            <a:r>
+              <a:rPr lang="en-US" sz="2400" dirty="0">
+                <a:solidFill>
+                  <a:schemeClr val="accent1"/>
+                </a:solidFill>
+              </a:rPr>
+              <a:t>x = </a:t>
+            </a:r>
+            <a:r>
+              <a:rPr lang="en-US" sz="2400" dirty="0" err="1">
+                <a:solidFill>
+                  <a:schemeClr val="accent1"/>
+                </a:solidFill>
+              </a:rPr>
+              <a:t>df</a:t>
+            </a:r>
+            <a:r>
+              <a:rPr lang="en-US" sz="2400" dirty="0">
+                <a:solidFill>
+                  <a:schemeClr val="accent1"/>
+                </a:solidFill>
+              </a:rPr>
+              <a:t>["Calories"].median()</a:t>
+            </a:r>
+          </a:p>
+          <a:p>
+            <a:endParaRPr lang="en-US" sz="2000" dirty="0"/>
+          </a:p>
+          <a:p>
+            <a:r>
+              <a:rPr lang="en-US" sz="2000" dirty="0" err="1"/>
+              <a:t>df</a:t>
+            </a:r>
+            <a:r>
+              <a:rPr lang="en-US" sz="2000" dirty="0"/>
+              <a:t>["Calories"].</a:t>
+            </a:r>
+            <a:r>
+              <a:rPr lang="en-US" sz="2000" dirty="0" err="1"/>
+              <a:t>fillna</a:t>
+            </a:r>
+            <a:r>
+              <a:rPr lang="en-US" sz="2000" dirty="0"/>
+              <a:t>(x, </a:t>
+            </a:r>
+            <a:r>
+              <a:rPr lang="en-US" sz="2000" dirty="0" err="1"/>
+              <a:t>inplace</a:t>
+            </a:r>
+            <a:r>
+              <a:rPr lang="en-US" sz="2000" dirty="0"/>
+              <a:t> = True)</a:t>
+            </a:r>
+          </a:p>
+          <a:p>
+            <a:endParaRPr lang="en-US" sz="2000" dirty="0"/>
+          </a:p>
+          <a:p>
+            <a:r>
+              <a:rPr lang="en-US" sz="2000" dirty="0"/>
+              <a:t>print(</a:t>
+            </a:r>
+            <a:r>
+              <a:rPr lang="en-US" sz="2000" dirty="0" err="1"/>
+              <a:t>df.to_string</a:t>
+            </a:r>
+            <a:r>
+              <a:rPr lang="en-US" sz="2000" dirty="0"/>
+              <a:t>())</a:t>
+            </a:r>
+          </a:p>
+        </p:txBody>
+      </p:sp>
+      <p:sp>
+        <p:nvSpPr>
+          <p:cNvPr id="8" name="Rectangle 7">
+            <a:extLst>
+              <a:ext uri="{FF2B5EF4-FFF2-40B4-BE49-F238E27FC236}">
+                <a16:creationId xmlns:a16="http://schemas.microsoft.com/office/drawing/2014/main" id="{4F2A42EF-61D4-A0B6-7DD6-BF31249F9E14}"/>
+              </a:ext>
+            </a:extLst>
+          </p:cNvPr>
+          <p:cNvSpPr/>
+          <p:nvPr/>
+        </p:nvSpPr>
+        <p:spPr>
+          <a:xfrm>
+            <a:off x="510362" y="1750137"/>
+            <a:ext cx="4028387" cy="3071245"/>
+          </a:xfrm>
+          <a:prstGeom prst="rect">
+            <a:avLst/>
+          </a:prstGeom>
+          <a:noFill/>
+        </p:spPr>
+        <p:style>
+          <a:lnRef idx="2">
+            <a:schemeClr val="accent1">
+              <a:shade val="50000"/>
+            </a:schemeClr>
+          </a:lnRef>
+          <a:fillRef idx="1">
+            <a:schemeClr val="accent1"/>
+          </a:fillRef>
+          <a:effectRef idx="0">
+            <a:schemeClr val="accent1"/>
+          </a:effectRef>
+          <a:fontRef idx="minor">
+            <a:schemeClr val="lt1"/>
+          </a:fontRef>
+        </p:style>
+        <p:txBody>
+          <a:bodyPr rtlCol="0" anchor="ctr"/>
+          <a:lstStyle/>
+          <a:p>
+            <a:pPr algn="ctr"/>
+            <a:endParaRPr lang="en-US"/>
+          </a:p>
+        </p:txBody>
+      </p:sp>
+      <p:pic>
+        <p:nvPicPr>
+          <p:cNvPr id="9" name="Picture 8">
+            <a:extLst>
+              <a:ext uri="{FF2B5EF4-FFF2-40B4-BE49-F238E27FC236}">
+                <a16:creationId xmlns:a16="http://schemas.microsoft.com/office/drawing/2014/main" id="{C21D9112-F3F3-72DA-204D-CFFA99FEBE8D}"/>
+              </a:ext>
+            </a:extLst>
+          </p:cNvPr>
+          <p:cNvPicPr>
+            <a:picLocks noChangeAspect="1"/>
+          </p:cNvPicPr>
+          <p:nvPr/>
+        </p:nvPicPr>
+        <p:blipFill>
+          <a:blip r:embed="rId4"/>
+          <a:stretch>
+            <a:fillRect/>
+          </a:stretch>
+        </p:blipFill>
+        <p:spPr>
+          <a:xfrm>
+            <a:off x="5325304" y="1750137"/>
+            <a:ext cx="5014688" cy="3071244"/>
+          </a:xfrm>
+          <a:prstGeom prst="rect">
+            <a:avLst/>
+          </a:prstGeom>
+        </p:spPr>
+      </p:pic>
+      <p:sp>
+        <p:nvSpPr>
+          <p:cNvPr id="10" name="TextBox 9">
+            <a:extLst>
+              <a:ext uri="{FF2B5EF4-FFF2-40B4-BE49-F238E27FC236}">
+                <a16:creationId xmlns:a16="http://schemas.microsoft.com/office/drawing/2014/main" id="{34A9720F-9E93-FF39-30E2-86A1163265A6}"/>
+              </a:ext>
+            </a:extLst>
+          </p:cNvPr>
+          <p:cNvSpPr txBox="1"/>
+          <p:nvPr/>
+        </p:nvSpPr>
+        <p:spPr>
+          <a:xfrm>
+            <a:off x="510362" y="5531331"/>
+            <a:ext cx="7384266" cy="369332"/>
+          </a:xfrm>
+          <a:prstGeom prst="rect">
+            <a:avLst/>
+          </a:prstGeom>
+          <a:noFill/>
+        </p:spPr>
+        <p:txBody>
+          <a:bodyPr wrap="none" rtlCol="0">
+            <a:spAutoFit/>
+          </a:bodyPr>
+          <a:lstStyle/>
+          <a:p>
+            <a:r>
+              <a:rPr lang="en-US" b="1" dirty="0"/>
+              <a:t>Median</a:t>
+            </a:r>
+            <a:r>
+              <a:rPr lang="en-US" dirty="0"/>
+              <a:t> = the value in the middle, after you have sorted all values ascending.</a:t>
+            </a:r>
+          </a:p>
+        </p:txBody>
+      </p:sp>
+    </p:spTree>
+    <p:extLst>
+      <p:ext uri="{BB962C8B-B14F-4D97-AF65-F5344CB8AC3E}">
+        <p14:creationId xmlns:p14="http://schemas.microsoft.com/office/powerpoint/2010/main" val="1422191707"/>
+      </p:ext>
+    </p:extLst>
+  </p:cSld>
+  <p:clrMapOvr>
+    <a:masterClrMapping/>
+  </p:clrMapOvr>
+</p:sld>
+</file>
+
+<file path=ppt/slides/slide21.xml><?xml version="1.0" encoding="utf-8"?>
+<p:sld xmlns:a="http://schemas.openxmlformats.org/drawingml/2006/main" xmlns:r="http://schemas.openxmlformats.org/officeDocument/2006/relationships" xmlns:p="http://schemas.openxmlformats.org/presentationml/2006/main">
+  <p:cSld>
+    <p:spTree>
+      <p:nvGrpSpPr>
+        <p:cNvPr id="1" name="">
+          <a:extLst>
+            <a:ext uri="{FF2B5EF4-FFF2-40B4-BE49-F238E27FC236}">
+              <a16:creationId xmlns:a16="http://schemas.microsoft.com/office/drawing/2014/main" id="{02D9883F-1620-7DC8-3BD0-E69DB9A3F47E}"/>
+            </a:ext>
+          </a:extLst>
+        </p:cNvPr>
+        <p:cNvGrpSpPr/>
+        <p:nvPr/>
+      </p:nvGrpSpPr>
+      <p:grpSpPr>
+        <a:xfrm>
+          <a:off x="0" y="0"/>
+          <a:ext cx="0" cy="0"/>
+          <a:chOff x="0" y="0"/>
+          <a:chExt cx="0" cy="0"/>
+        </a:xfrm>
+      </p:grpSpPr>
+      <p:pic>
+        <p:nvPicPr>
+          <p:cNvPr id="3" name="Picture 2">
+            <a:extLst>
+              <a:ext uri="{FF2B5EF4-FFF2-40B4-BE49-F238E27FC236}">
+                <a16:creationId xmlns:a16="http://schemas.microsoft.com/office/drawing/2014/main" id="{84E0623C-8B65-5D73-C9BC-6B64E7E31127}"/>
+              </a:ext>
+            </a:extLst>
+          </p:cNvPr>
+          <p:cNvPicPr>
+            <a:picLocks noChangeAspect="1"/>
+          </p:cNvPicPr>
+          <p:nvPr/>
+        </p:nvPicPr>
+        <p:blipFill>
+          <a:blip r:embed="rId3">
+            <a:extLst>
+              <a:ext uri="{28A0092B-C50C-407E-A947-70E740481C1C}">
+                <a14:useLocalDpi xmlns:a14="http://schemas.microsoft.com/office/drawing/2010/main" val="0"/>
+              </a:ext>
+            </a:extLst>
+          </a:blip>
+          <a:stretch>
+            <a:fillRect/>
+          </a:stretch>
+        </p:blipFill>
+        <p:spPr>
+          <a:xfrm>
+            <a:off x="10774496" y="1"/>
+            <a:ext cx="1417504" cy="1417504"/>
+          </a:xfrm>
+          <a:prstGeom prst="rect">
+            <a:avLst/>
+          </a:prstGeom>
+        </p:spPr>
+      </p:pic>
+      <p:sp>
+        <p:nvSpPr>
+          <p:cNvPr id="4" name="TextBox 3">
+            <a:extLst>
+              <a:ext uri="{FF2B5EF4-FFF2-40B4-BE49-F238E27FC236}">
+                <a16:creationId xmlns:a16="http://schemas.microsoft.com/office/drawing/2014/main" id="{1CC0EA07-24FC-B2FD-2C73-002C2E7B22DC}"/>
+              </a:ext>
+            </a:extLst>
+          </p:cNvPr>
+          <p:cNvSpPr txBox="1"/>
+          <p:nvPr/>
+        </p:nvSpPr>
+        <p:spPr>
+          <a:xfrm>
+            <a:off x="88135" y="187287"/>
+            <a:ext cx="9981281" cy="707886"/>
+          </a:xfrm>
+          <a:prstGeom prst="rect">
+            <a:avLst/>
+          </a:prstGeom>
+          <a:noFill/>
+        </p:spPr>
+        <p:txBody>
+          <a:bodyPr wrap="square" lIns="91440" tIns="45720" rIns="91440" bIns="45720" rtlCol="0" anchor="t">
+            <a:spAutoFit/>
+          </a:bodyPr>
+          <a:lstStyle/>
+          <a:p>
+            <a:r>
+              <a:rPr lang="en-US" sz="4000" b="1" dirty="0">
+                <a:solidFill>
+                  <a:srgbClr val="006DC5"/>
+                </a:solidFill>
+                <a:latin typeface="+mj-lt"/>
+              </a:rPr>
+              <a:t>Mode</a:t>
+            </a:r>
+            <a:endParaRPr lang="en-US" dirty="0"/>
+          </a:p>
+        </p:txBody>
+      </p:sp>
+      <p:cxnSp>
+        <p:nvCxnSpPr>
+          <p:cNvPr id="5" name="Google Shape;158;p16">
+            <a:extLst>
+              <a:ext uri="{FF2B5EF4-FFF2-40B4-BE49-F238E27FC236}">
+                <a16:creationId xmlns:a16="http://schemas.microsoft.com/office/drawing/2014/main" id="{B141FEA0-1D7D-407D-D04F-4214001AE5C4}"/>
+              </a:ext>
+            </a:extLst>
+          </p:cNvPr>
+          <p:cNvCxnSpPr/>
+          <p:nvPr/>
+        </p:nvCxnSpPr>
+        <p:spPr>
+          <a:xfrm flipH="1">
+            <a:off x="8688550" y="5531331"/>
+            <a:ext cx="3431400" cy="987000"/>
+          </a:xfrm>
+          <a:prstGeom prst="bentConnector3">
+            <a:avLst>
+              <a:gd name="adj1" fmla="val 45484"/>
+            </a:avLst>
+          </a:prstGeom>
+          <a:noFill/>
+          <a:ln w="19050" cap="flat" cmpd="sng">
+            <a:solidFill>
+              <a:srgbClr val="006DC5"/>
+            </a:solidFill>
+            <a:prstDash val="solid"/>
+            <a:round/>
+            <a:headEnd type="none" w="med" len="med"/>
+            <a:tailEnd type="oval" w="med" len="med"/>
+          </a:ln>
+        </p:spPr>
+      </p:cxnSp>
+      <p:cxnSp>
+        <p:nvCxnSpPr>
+          <p:cNvPr id="6" name="Google Shape;159;p16">
+            <a:extLst>
+              <a:ext uri="{FF2B5EF4-FFF2-40B4-BE49-F238E27FC236}">
+                <a16:creationId xmlns:a16="http://schemas.microsoft.com/office/drawing/2014/main" id="{00835F11-AF39-AECC-4CB3-37D8DDFB0BFD}"/>
+              </a:ext>
+            </a:extLst>
+          </p:cNvPr>
+          <p:cNvCxnSpPr/>
+          <p:nvPr/>
+        </p:nvCxnSpPr>
+        <p:spPr>
+          <a:xfrm flipH="1">
+            <a:off x="9388800" y="5729631"/>
+            <a:ext cx="2803200" cy="1018200"/>
+          </a:xfrm>
+          <a:prstGeom prst="bentConnector3">
+            <a:avLst>
+              <a:gd name="adj1" fmla="val 50000"/>
+            </a:avLst>
+          </a:prstGeom>
+          <a:noFill/>
+          <a:ln w="19050" cap="flat" cmpd="sng">
+            <a:solidFill>
+              <a:srgbClr val="006DC5"/>
+            </a:solidFill>
+            <a:prstDash val="solid"/>
+            <a:round/>
+            <a:headEnd type="none" w="med" len="med"/>
+            <a:tailEnd type="oval" w="med" len="med"/>
+          </a:ln>
+        </p:spPr>
+      </p:cxnSp>
+      <p:sp>
+        <p:nvSpPr>
+          <p:cNvPr id="2" name="TextBox 1">
+            <a:extLst>
+              <a:ext uri="{FF2B5EF4-FFF2-40B4-BE49-F238E27FC236}">
+                <a16:creationId xmlns:a16="http://schemas.microsoft.com/office/drawing/2014/main" id="{F4A0D1C7-6BD6-B948-1D6C-A32D7D4BF2AB}"/>
+              </a:ext>
+            </a:extLst>
+          </p:cNvPr>
+          <p:cNvSpPr txBox="1"/>
+          <p:nvPr/>
+        </p:nvSpPr>
+        <p:spPr>
+          <a:xfrm>
+            <a:off x="510363" y="1775637"/>
+            <a:ext cx="4344270" cy="2923877"/>
+          </a:xfrm>
+          <a:prstGeom prst="rect">
+            <a:avLst/>
+          </a:prstGeom>
+          <a:noFill/>
+        </p:spPr>
+        <p:txBody>
+          <a:bodyPr wrap="square" rtlCol="0">
+            <a:spAutoFit/>
+          </a:bodyPr>
+          <a:lstStyle/>
+          <a:p>
+            <a:r>
+              <a:rPr lang="en-US" sz="2000" dirty="0"/>
+              <a:t>import pandas as pd</a:t>
+            </a:r>
+          </a:p>
+          <a:p>
+            <a:endParaRPr lang="en-US" sz="2000" dirty="0"/>
+          </a:p>
+          <a:p>
+            <a:r>
+              <a:rPr lang="en-US" sz="2000" dirty="0" err="1"/>
+              <a:t>df</a:t>
+            </a:r>
+            <a:r>
+              <a:rPr lang="en-US" sz="2000" dirty="0"/>
+              <a:t> = </a:t>
+            </a:r>
+            <a:r>
+              <a:rPr lang="en-US" sz="2000" dirty="0" err="1"/>
+              <a:t>pd.read_csv</a:t>
+            </a:r>
+            <a:r>
+              <a:rPr lang="en-US" sz="2000" dirty="0"/>
+              <a:t>('data.csv')</a:t>
+            </a:r>
+          </a:p>
+          <a:p>
+            <a:endParaRPr lang="en-US" sz="2000" dirty="0"/>
+          </a:p>
+          <a:p>
+            <a:r>
+              <a:rPr lang="en-US" sz="2400" dirty="0">
+                <a:solidFill>
+                  <a:schemeClr val="accent1"/>
+                </a:solidFill>
+              </a:rPr>
+              <a:t>x = </a:t>
+            </a:r>
+            <a:r>
+              <a:rPr lang="en-US" sz="2400" dirty="0" err="1">
+                <a:solidFill>
+                  <a:schemeClr val="accent1"/>
+                </a:solidFill>
+              </a:rPr>
+              <a:t>df</a:t>
+            </a:r>
+            <a:r>
+              <a:rPr lang="en-US" sz="2400" dirty="0">
+                <a:solidFill>
+                  <a:schemeClr val="accent1"/>
+                </a:solidFill>
+              </a:rPr>
+              <a:t>["Calories"].mode()[0]</a:t>
+            </a:r>
+          </a:p>
+          <a:p>
+            <a:endParaRPr lang="en-US" sz="2000" dirty="0"/>
+          </a:p>
+          <a:p>
+            <a:r>
+              <a:rPr lang="en-US" sz="2000" dirty="0" err="1"/>
+              <a:t>df</a:t>
+            </a:r>
+            <a:r>
+              <a:rPr lang="en-US" sz="2000" dirty="0"/>
+              <a:t>["Calories"].</a:t>
+            </a:r>
+            <a:r>
+              <a:rPr lang="en-US" sz="2000" dirty="0" err="1"/>
+              <a:t>fillna</a:t>
+            </a:r>
+            <a:r>
+              <a:rPr lang="en-US" sz="2000" dirty="0"/>
+              <a:t>(x, </a:t>
+            </a:r>
+            <a:r>
+              <a:rPr lang="en-US" sz="2000" dirty="0" err="1"/>
+              <a:t>inplace</a:t>
+            </a:r>
+            <a:r>
+              <a:rPr lang="en-US" sz="2000" dirty="0"/>
+              <a:t> = True)</a:t>
+            </a:r>
+          </a:p>
+          <a:p>
+            <a:endParaRPr lang="en-US" sz="2000" dirty="0"/>
+          </a:p>
+          <a:p>
+            <a:r>
+              <a:rPr lang="en-US" sz="2000" dirty="0"/>
+              <a:t>print(</a:t>
+            </a:r>
+            <a:r>
+              <a:rPr lang="en-US" sz="2000" dirty="0" err="1"/>
+              <a:t>df.to_string</a:t>
+            </a:r>
+            <a:r>
+              <a:rPr lang="en-US" sz="2000" dirty="0"/>
+              <a:t>())</a:t>
+            </a:r>
+          </a:p>
+        </p:txBody>
+      </p:sp>
+      <p:sp>
+        <p:nvSpPr>
+          <p:cNvPr id="8" name="Rectangle 7">
+            <a:extLst>
+              <a:ext uri="{FF2B5EF4-FFF2-40B4-BE49-F238E27FC236}">
+                <a16:creationId xmlns:a16="http://schemas.microsoft.com/office/drawing/2014/main" id="{FDE499C8-08DD-59B3-B295-747D18D691EA}"/>
+              </a:ext>
+            </a:extLst>
+          </p:cNvPr>
+          <p:cNvSpPr/>
+          <p:nvPr/>
+        </p:nvSpPr>
+        <p:spPr>
+          <a:xfrm>
+            <a:off x="382772" y="1679944"/>
+            <a:ext cx="4227892" cy="3158063"/>
+          </a:xfrm>
+          <a:prstGeom prst="rect">
+            <a:avLst/>
+          </a:prstGeom>
+          <a:noFill/>
+        </p:spPr>
+        <p:style>
+          <a:lnRef idx="2">
+            <a:schemeClr val="accent1">
+              <a:shade val="50000"/>
+            </a:schemeClr>
+          </a:lnRef>
+          <a:fillRef idx="1">
+            <a:schemeClr val="accent1"/>
+          </a:fillRef>
+          <a:effectRef idx="0">
+            <a:schemeClr val="accent1"/>
+          </a:effectRef>
+          <a:fontRef idx="minor">
+            <a:schemeClr val="lt1"/>
+          </a:fontRef>
+        </p:style>
+        <p:txBody>
+          <a:bodyPr rtlCol="0" anchor="ctr"/>
+          <a:lstStyle/>
+          <a:p>
+            <a:pPr algn="ctr"/>
+            <a:endParaRPr lang="en-US"/>
+          </a:p>
+        </p:txBody>
+      </p:sp>
+      <p:pic>
+        <p:nvPicPr>
+          <p:cNvPr id="9" name="Picture 8">
+            <a:extLst>
+              <a:ext uri="{FF2B5EF4-FFF2-40B4-BE49-F238E27FC236}">
+                <a16:creationId xmlns:a16="http://schemas.microsoft.com/office/drawing/2014/main" id="{ED1BE3D2-F6D9-FE3B-ED89-8EC51E2BC923}"/>
+              </a:ext>
+            </a:extLst>
+          </p:cNvPr>
+          <p:cNvPicPr>
+            <a:picLocks noChangeAspect="1"/>
+          </p:cNvPicPr>
+          <p:nvPr/>
+        </p:nvPicPr>
+        <p:blipFill>
+          <a:blip r:embed="rId4"/>
+          <a:stretch>
+            <a:fillRect/>
+          </a:stretch>
+        </p:blipFill>
+        <p:spPr>
+          <a:xfrm>
+            <a:off x="6096000" y="1679944"/>
+            <a:ext cx="4458322" cy="3934374"/>
+          </a:xfrm>
+          <a:prstGeom prst="rect">
+            <a:avLst/>
+          </a:prstGeom>
+        </p:spPr>
+      </p:pic>
+      <p:sp>
+        <p:nvSpPr>
+          <p:cNvPr id="10" name="Rectangle 9">
+            <a:extLst>
+              <a:ext uri="{FF2B5EF4-FFF2-40B4-BE49-F238E27FC236}">
+                <a16:creationId xmlns:a16="http://schemas.microsoft.com/office/drawing/2014/main" id="{6A5BE512-5E89-6B28-C838-8522ABCF13ED}"/>
+              </a:ext>
+            </a:extLst>
+          </p:cNvPr>
+          <p:cNvSpPr/>
+          <p:nvPr/>
+        </p:nvSpPr>
+        <p:spPr>
+          <a:xfrm>
+            <a:off x="6096000" y="2510444"/>
+            <a:ext cx="4458322" cy="315883"/>
+          </a:xfrm>
+          <a:prstGeom prst="rect">
+            <a:avLst/>
+          </a:prstGeom>
+          <a:noFill/>
+          <a:ln>
+            <a:solidFill>
+              <a:srgbClr val="FF0000"/>
+            </a:solidFill>
+          </a:ln>
+        </p:spPr>
+        <p:style>
+          <a:lnRef idx="2">
+            <a:schemeClr val="accent1">
+              <a:shade val="15000"/>
+            </a:schemeClr>
+          </a:lnRef>
+          <a:fillRef idx="1">
+            <a:schemeClr val="accent1"/>
+          </a:fillRef>
+          <a:effectRef idx="0">
+            <a:schemeClr val="accent1"/>
+          </a:effectRef>
+          <a:fontRef idx="minor">
+            <a:schemeClr val="lt1"/>
+          </a:fontRef>
+        </p:style>
+        <p:txBody>
+          <a:bodyPr rtlCol="0" anchor="ctr"/>
+          <a:lstStyle/>
+          <a:p>
+            <a:pPr algn="ctr"/>
+            <a:endParaRPr lang="en-US"/>
+          </a:p>
+        </p:txBody>
+      </p:sp>
+      <p:sp>
+        <p:nvSpPr>
+          <p:cNvPr id="11" name="Rectangle 10">
+            <a:extLst>
+              <a:ext uri="{FF2B5EF4-FFF2-40B4-BE49-F238E27FC236}">
+                <a16:creationId xmlns:a16="http://schemas.microsoft.com/office/drawing/2014/main" id="{5DBF1745-DC92-7084-1B14-072076B9B7B7}"/>
+              </a:ext>
+            </a:extLst>
+          </p:cNvPr>
+          <p:cNvSpPr/>
+          <p:nvPr/>
+        </p:nvSpPr>
+        <p:spPr>
+          <a:xfrm>
+            <a:off x="6096000" y="4699514"/>
+            <a:ext cx="4458322" cy="309485"/>
+          </a:xfrm>
+          <a:prstGeom prst="rect">
+            <a:avLst/>
+          </a:prstGeom>
+          <a:noFill/>
+          <a:ln>
+            <a:solidFill>
+              <a:srgbClr val="FF0000"/>
+            </a:solidFill>
+          </a:ln>
+        </p:spPr>
+        <p:style>
+          <a:lnRef idx="2">
+            <a:schemeClr val="accent1">
+              <a:shade val="15000"/>
+            </a:schemeClr>
+          </a:lnRef>
+          <a:fillRef idx="1">
+            <a:schemeClr val="accent1"/>
+          </a:fillRef>
+          <a:effectRef idx="0">
+            <a:schemeClr val="accent1"/>
+          </a:effectRef>
+          <a:fontRef idx="minor">
+            <a:schemeClr val="lt1"/>
+          </a:fontRef>
+        </p:style>
+        <p:txBody>
+          <a:bodyPr rtlCol="0" anchor="ctr"/>
+          <a:lstStyle/>
+          <a:p>
+            <a:pPr algn="ctr"/>
+            <a:endParaRPr lang="en-US"/>
+          </a:p>
+        </p:txBody>
+      </p:sp>
+    </p:spTree>
+    <p:extLst>
+      <p:ext uri="{BB962C8B-B14F-4D97-AF65-F5344CB8AC3E}">
+        <p14:creationId xmlns:p14="http://schemas.microsoft.com/office/powerpoint/2010/main" val="2668368212"/>
+      </p:ext>
+    </p:extLst>
+  </p:cSld>
+  <p:clrMapOvr>
+    <a:masterClrMapping/>
+  </p:clrMapOvr>
+</p:sld>
+</file>
+
+<file path=ppt/slides/slide22.xml><?xml version="1.0" encoding="utf-8"?>
+<p:sld xmlns:a="http://schemas.openxmlformats.org/drawingml/2006/main" xmlns:r="http://schemas.openxmlformats.org/officeDocument/2006/relationships" xmlns:p="http://schemas.openxmlformats.org/presentationml/2006/main">
+  <p:cSld>
+    <p:spTree>
+      <p:nvGrpSpPr>
+        <p:cNvPr id="1" name="">
+          <a:extLst>
+            <a:ext uri="{FF2B5EF4-FFF2-40B4-BE49-F238E27FC236}">
+              <a16:creationId xmlns:a16="http://schemas.microsoft.com/office/drawing/2014/main" id="{E659A5F7-C33E-67CB-90CE-F9FFF6AD417E}"/>
+            </a:ext>
+          </a:extLst>
+        </p:cNvPr>
+        <p:cNvGrpSpPr/>
+        <p:nvPr/>
+      </p:nvGrpSpPr>
+      <p:grpSpPr>
+        <a:xfrm>
+          <a:off x="0" y="0"/>
+          <a:ext cx="0" cy="0"/>
+          <a:chOff x="0" y="0"/>
+          <a:chExt cx="0" cy="0"/>
+        </a:xfrm>
+      </p:grpSpPr>
+      <p:pic>
+        <p:nvPicPr>
+          <p:cNvPr id="3" name="Picture 2">
+            <a:extLst>
+              <a:ext uri="{FF2B5EF4-FFF2-40B4-BE49-F238E27FC236}">
+                <a16:creationId xmlns:a16="http://schemas.microsoft.com/office/drawing/2014/main" id="{DB6848DB-33CD-2A4A-D277-42D028687D96}"/>
+              </a:ext>
+            </a:extLst>
+          </p:cNvPr>
+          <p:cNvPicPr>
+            <a:picLocks noChangeAspect="1"/>
+          </p:cNvPicPr>
+          <p:nvPr/>
+        </p:nvPicPr>
+        <p:blipFill>
+          <a:blip r:embed="rId3">
+            <a:extLst>
+              <a:ext uri="{28A0092B-C50C-407E-A947-70E740481C1C}">
+                <a14:useLocalDpi xmlns:a14="http://schemas.microsoft.com/office/drawing/2010/main" val="0"/>
+              </a:ext>
+            </a:extLst>
+          </a:blip>
+          <a:stretch>
+            <a:fillRect/>
+          </a:stretch>
+        </p:blipFill>
+        <p:spPr>
+          <a:xfrm>
+            <a:off x="10774496" y="1"/>
+            <a:ext cx="1417504" cy="1417504"/>
+          </a:xfrm>
+          <a:prstGeom prst="rect">
+            <a:avLst/>
+          </a:prstGeom>
+        </p:spPr>
+      </p:pic>
+      <p:sp>
+        <p:nvSpPr>
+          <p:cNvPr id="4" name="TextBox 3">
+            <a:extLst>
+              <a:ext uri="{FF2B5EF4-FFF2-40B4-BE49-F238E27FC236}">
+                <a16:creationId xmlns:a16="http://schemas.microsoft.com/office/drawing/2014/main" id="{90020FB3-692B-13BB-DC7B-26DDE034BDF4}"/>
+              </a:ext>
+            </a:extLst>
+          </p:cNvPr>
+          <p:cNvSpPr txBox="1"/>
+          <p:nvPr/>
+        </p:nvSpPr>
+        <p:spPr>
+          <a:xfrm>
+            <a:off x="88135" y="187287"/>
+            <a:ext cx="9981281" cy="707886"/>
+          </a:xfrm>
+          <a:prstGeom prst="rect">
+            <a:avLst/>
+          </a:prstGeom>
+          <a:noFill/>
+        </p:spPr>
+        <p:txBody>
+          <a:bodyPr wrap="square" lIns="91440" tIns="45720" rIns="91440" bIns="45720" rtlCol="0" anchor="t">
+            <a:spAutoFit/>
+          </a:bodyPr>
+          <a:lstStyle/>
+          <a:p>
+            <a:r>
+              <a:rPr lang="en-US" sz="4000" b="1" dirty="0">
+                <a:solidFill>
+                  <a:srgbClr val="006DC5"/>
+                </a:solidFill>
+                <a:latin typeface="+mj-lt"/>
+              </a:rPr>
+              <a:t>Data of Wrong Format</a:t>
+            </a:r>
+            <a:endParaRPr lang="en-US" dirty="0"/>
+          </a:p>
+        </p:txBody>
+      </p:sp>
+      <p:cxnSp>
+        <p:nvCxnSpPr>
+          <p:cNvPr id="5" name="Google Shape;158;p16">
+            <a:extLst>
+              <a:ext uri="{FF2B5EF4-FFF2-40B4-BE49-F238E27FC236}">
+                <a16:creationId xmlns:a16="http://schemas.microsoft.com/office/drawing/2014/main" id="{A5F9026A-9588-31FB-7B56-E4A404F6922D}"/>
+              </a:ext>
+            </a:extLst>
+          </p:cNvPr>
+          <p:cNvCxnSpPr/>
+          <p:nvPr/>
+        </p:nvCxnSpPr>
+        <p:spPr>
+          <a:xfrm flipH="1">
+            <a:off x="8688550" y="5531331"/>
+            <a:ext cx="3431400" cy="987000"/>
+          </a:xfrm>
+          <a:prstGeom prst="bentConnector3">
+            <a:avLst>
+              <a:gd name="adj1" fmla="val 45484"/>
+            </a:avLst>
+          </a:prstGeom>
+          <a:noFill/>
+          <a:ln w="19050" cap="flat" cmpd="sng">
+            <a:solidFill>
+              <a:srgbClr val="006DC5"/>
+            </a:solidFill>
+            <a:prstDash val="solid"/>
+            <a:round/>
+            <a:headEnd type="none" w="med" len="med"/>
+            <a:tailEnd type="oval" w="med" len="med"/>
+          </a:ln>
+        </p:spPr>
+      </p:cxnSp>
+      <p:cxnSp>
+        <p:nvCxnSpPr>
+          <p:cNvPr id="6" name="Google Shape;159;p16">
+            <a:extLst>
+              <a:ext uri="{FF2B5EF4-FFF2-40B4-BE49-F238E27FC236}">
+                <a16:creationId xmlns:a16="http://schemas.microsoft.com/office/drawing/2014/main" id="{EC4BED7E-02F6-B724-EA8A-6790D35391FD}"/>
+              </a:ext>
+            </a:extLst>
+          </p:cNvPr>
+          <p:cNvCxnSpPr/>
+          <p:nvPr/>
+        </p:nvCxnSpPr>
+        <p:spPr>
+          <a:xfrm flipH="1">
+            <a:off x="9388800" y="5729631"/>
+            <a:ext cx="2803200" cy="1018200"/>
+          </a:xfrm>
+          <a:prstGeom prst="bentConnector3">
+            <a:avLst>
+              <a:gd name="adj1" fmla="val 50000"/>
+            </a:avLst>
+          </a:prstGeom>
+          <a:noFill/>
+          <a:ln w="19050" cap="flat" cmpd="sng">
+            <a:solidFill>
+              <a:srgbClr val="006DC5"/>
+            </a:solidFill>
+            <a:prstDash val="solid"/>
+            <a:round/>
+            <a:headEnd type="none" w="med" len="med"/>
+            <a:tailEnd type="oval" w="med" len="med"/>
+          </a:ln>
+        </p:spPr>
+      </p:cxnSp>
+      <p:sp>
+        <p:nvSpPr>
+          <p:cNvPr id="2" name="TextBox 1">
+            <a:extLst>
+              <a:ext uri="{FF2B5EF4-FFF2-40B4-BE49-F238E27FC236}">
+                <a16:creationId xmlns:a16="http://schemas.microsoft.com/office/drawing/2014/main" id="{CA4F720A-F06A-1D1C-F31B-2F8D71730625}"/>
+              </a:ext>
+            </a:extLst>
+          </p:cNvPr>
+          <p:cNvSpPr txBox="1"/>
+          <p:nvPr/>
+        </p:nvSpPr>
+        <p:spPr>
+          <a:xfrm>
+            <a:off x="244355" y="1417505"/>
+            <a:ext cx="9981281" cy="2251065"/>
+          </a:xfrm>
+          <a:prstGeom prst="rect">
+            <a:avLst/>
+          </a:prstGeom>
+          <a:noFill/>
+        </p:spPr>
+        <p:txBody>
+          <a:bodyPr wrap="square" rtlCol="0">
+            <a:spAutoFit/>
+          </a:bodyPr>
+          <a:lstStyle/>
+          <a:p>
+            <a:pPr marL="457200" indent="-457200">
+              <a:lnSpc>
+                <a:spcPct val="150000"/>
+              </a:lnSpc>
+              <a:buFont typeface="Wingdings" panose="05000000000000000000" pitchFamily="2" charset="2"/>
+              <a:buChar char="v"/>
+            </a:pPr>
+            <a:r>
+              <a:rPr lang="en-US" sz="2400" dirty="0"/>
+              <a:t>Cells with data of wrong format can make it difficult, or even impossible, to analyze data.</a:t>
+            </a:r>
+          </a:p>
+          <a:p>
+            <a:pPr marL="457200" indent="-457200">
+              <a:lnSpc>
+                <a:spcPct val="150000"/>
+              </a:lnSpc>
+              <a:buFont typeface="Wingdings" panose="05000000000000000000" pitchFamily="2" charset="2"/>
+              <a:buChar char="v"/>
+            </a:pPr>
+            <a:r>
+              <a:rPr lang="en-US" sz="2400" dirty="0"/>
+              <a:t>To fix it, you have two options: remove the rows, or convert all cells in the columns into the same format.</a:t>
+            </a:r>
+          </a:p>
+        </p:txBody>
+      </p:sp>
+      <p:pic>
+        <p:nvPicPr>
+          <p:cNvPr id="12" name="Picture 11">
+            <a:extLst>
+              <a:ext uri="{FF2B5EF4-FFF2-40B4-BE49-F238E27FC236}">
+                <a16:creationId xmlns:a16="http://schemas.microsoft.com/office/drawing/2014/main" id="{5CDEC56A-82AD-01F8-0000-8DF0A5622831}"/>
+              </a:ext>
+            </a:extLst>
+          </p:cNvPr>
+          <p:cNvPicPr>
+            <a:picLocks noChangeAspect="1"/>
+          </p:cNvPicPr>
+          <p:nvPr/>
+        </p:nvPicPr>
+        <p:blipFill>
+          <a:blip r:embed="rId4"/>
+          <a:stretch>
+            <a:fillRect/>
+          </a:stretch>
+        </p:blipFill>
+        <p:spPr>
+          <a:xfrm>
+            <a:off x="5411335" y="3429000"/>
+            <a:ext cx="4496427" cy="2867425"/>
+          </a:xfrm>
+          <a:prstGeom prst="rect">
+            <a:avLst/>
+          </a:prstGeom>
+        </p:spPr>
+      </p:pic>
+    </p:spTree>
+    <p:extLst>
+      <p:ext uri="{BB962C8B-B14F-4D97-AF65-F5344CB8AC3E}">
+        <p14:creationId xmlns:p14="http://schemas.microsoft.com/office/powerpoint/2010/main" val="2092010563"/>
+      </p:ext>
+    </p:extLst>
+  </p:cSld>
+  <p:clrMapOvr>
+    <a:masterClrMapping/>
+  </p:clrMapOvr>
+</p:sld>
+</file>
+
+<file path=ppt/slides/slide23.xml><?xml version="1.0" encoding="utf-8"?>
+<p:sld xmlns:a="http://schemas.openxmlformats.org/drawingml/2006/main" xmlns:r="http://schemas.openxmlformats.org/officeDocument/2006/relationships" xmlns:p="http://schemas.openxmlformats.org/presentationml/2006/main">
+  <p:cSld>
+    <p:spTree>
+      <p:nvGrpSpPr>
+        <p:cNvPr id="1" name="">
+          <a:extLst>
+            <a:ext uri="{FF2B5EF4-FFF2-40B4-BE49-F238E27FC236}">
+              <a16:creationId xmlns:a16="http://schemas.microsoft.com/office/drawing/2014/main" id="{21E5A35E-DE11-89D4-E186-CD0CFB56F04F}"/>
+            </a:ext>
+          </a:extLst>
+        </p:cNvPr>
+        <p:cNvGrpSpPr/>
+        <p:nvPr/>
+      </p:nvGrpSpPr>
+      <p:grpSpPr>
+        <a:xfrm>
+          <a:off x="0" y="0"/>
+          <a:ext cx="0" cy="0"/>
+          <a:chOff x="0" y="0"/>
+          <a:chExt cx="0" cy="0"/>
+        </a:xfrm>
+      </p:grpSpPr>
+      <p:pic>
+        <p:nvPicPr>
+          <p:cNvPr id="3" name="Picture 2">
+            <a:extLst>
+              <a:ext uri="{FF2B5EF4-FFF2-40B4-BE49-F238E27FC236}">
+                <a16:creationId xmlns:a16="http://schemas.microsoft.com/office/drawing/2014/main" id="{17A5DE46-192C-60D5-3C64-3134583BBFAC}"/>
+              </a:ext>
+            </a:extLst>
+          </p:cNvPr>
+          <p:cNvPicPr>
+            <a:picLocks noChangeAspect="1"/>
+          </p:cNvPicPr>
+          <p:nvPr/>
+        </p:nvPicPr>
+        <p:blipFill>
+          <a:blip r:embed="rId3">
+            <a:extLst>
+              <a:ext uri="{28A0092B-C50C-407E-A947-70E740481C1C}">
+                <a14:useLocalDpi xmlns:a14="http://schemas.microsoft.com/office/drawing/2010/main" val="0"/>
+              </a:ext>
+            </a:extLst>
+          </a:blip>
+          <a:stretch>
+            <a:fillRect/>
+          </a:stretch>
+        </p:blipFill>
+        <p:spPr>
+          <a:xfrm>
+            <a:off x="10774496" y="1"/>
+            <a:ext cx="1417504" cy="1417504"/>
+          </a:xfrm>
+          <a:prstGeom prst="rect">
+            <a:avLst/>
+          </a:prstGeom>
+        </p:spPr>
+      </p:pic>
+      <p:sp>
+        <p:nvSpPr>
+          <p:cNvPr id="4" name="TextBox 3">
+            <a:extLst>
+              <a:ext uri="{FF2B5EF4-FFF2-40B4-BE49-F238E27FC236}">
+                <a16:creationId xmlns:a16="http://schemas.microsoft.com/office/drawing/2014/main" id="{3BFE9FF5-F9C1-9C1C-B07B-842BB18A4FDB}"/>
+              </a:ext>
+            </a:extLst>
+          </p:cNvPr>
+          <p:cNvSpPr txBox="1"/>
+          <p:nvPr/>
+        </p:nvSpPr>
+        <p:spPr>
+          <a:xfrm>
+            <a:off x="88135" y="187287"/>
+            <a:ext cx="9981281" cy="707886"/>
+          </a:xfrm>
+          <a:prstGeom prst="rect">
+            <a:avLst/>
+          </a:prstGeom>
+          <a:noFill/>
+        </p:spPr>
+        <p:txBody>
+          <a:bodyPr wrap="square" lIns="91440" tIns="45720" rIns="91440" bIns="45720" rtlCol="0" anchor="t">
+            <a:spAutoFit/>
+          </a:bodyPr>
+          <a:lstStyle/>
+          <a:p>
+            <a:r>
+              <a:rPr lang="en-US" sz="4000" b="1" dirty="0" err="1">
+                <a:solidFill>
+                  <a:srgbClr val="006DC5"/>
+                </a:solidFill>
+                <a:latin typeface="+mj-lt"/>
+              </a:rPr>
+              <a:t>to_datetime</a:t>
+            </a:r>
+            <a:r>
+              <a:rPr lang="en-US" sz="4000" b="1" dirty="0">
+                <a:solidFill>
+                  <a:srgbClr val="006DC5"/>
+                </a:solidFill>
+                <a:latin typeface="+mj-lt"/>
+              </a:rPr>
+              <a:t>()</a:t>
+            </a:r>
+            <a:endParaRPr lang="en-US" dirty="0"/>
+          </a:p>
+        </p:txBody>
+      </p:sp>
+      <p:cxnSp>
+        <p:nvCxnSpPr>
+          <p:cNvPr id="5" name="Google Shape;158;p16">
+            <a:extLst>
+              <a:ext uri="{FF2B5EF4-FFF2-40B4-BE49-F238E27FC236}">
+                <a16:creationId xmlns:a16="http://schemas.microsoft.com/office/drawing/2014/main" id="{3229B678-0CC6-DBE5-2237-C2B10716AECC}"/>
+              </a:ext>
+            </a:extLst>
+          </p:cNvPr>
+          <p:cNvCxnSpPr/>
+          <p:nvPr/>
+        </p:nvCxnSpPr>
+        <p:spPr>
+          <a:xfrm flipH="1">
+            <a:off x="8688550" y="5531331"/>
+            <a:ext cx="3431400" cy="987000"/>
+          </a:xfrm>
+          <a:prstGeom prst="bentConnector3">
+            <a:avLst>
+              <a:gd name="adj1" fmla="val 45484"/>
+            </a:avLst>
+          </a:prstGeom>
+          <a:noFill/>
+          <a:ln w="19050" cap="flat" cmpd="sng">
+            <a:solidFill>
+              <a:srgbClr val="006DC5"/>
+            </a:solidFill>
+            <a:prstDash val="solid"/>
+            <a:round/>
+            <a:headEnd type="none" w="med" len="med"/>
+            <a:tailEnd type="oval" w="med" len="med"/>
+          </a:ln>
+        </p:spPr>
+      </p:cxnSp>
+      <p:cxnSp>
+        <p:nvCxnSpPr>
+          <p:cNvPr id="6" name="Google Shape;159;p16">
+            <a:extLst>
+              <a:ext uri="{FF2B5EF4-FFF2-40B4-BE49-F238E27FC236}">
+                <a16:creationId xmlns:a16="http://schemas.microsoft.com/office/drawing/2014/main" id="{AC8300B6-6B85-55AE-7303-F0262D1729F7}"/>
+              </a:ext>
+            </a:extLst>
+          </p:cNvPr>
+          <p:cNvCxnSpPr/>
+          <p:nvPr/>
+        </p:nvCxnSpPr>
+        <p:spPr>
+          <a:xfrm flipH="1">
+            <a:off x="9388800" y="5729631"/>
+            <a:ext cx="2803200" cy="1018200"/>
+          </a:xfrm>
+          <a:prstGeom prst="bentConnector3">
+            <a:avLst>
+              <a:gd name="adj1" fmla="val 50000"/>
+            </a:avLst>
+          </a:prstGeom>
+          <a:noFill/>
+          <a:ln w="19050" cap="flat" cmpd="sng">
+            <a:solidFill>
+              <a:srgbClr val="006DC5"/>
+            </a:solidFill>
+            <a:prstDash val="solid"/>
+            <a:round/>
+            <a:headEnd type="none" w="med" len="med"/>
+            <a:tailEnd type="oval" w="med" len="med"/>
+          </a:ln>
+        </p:spPr>
+      </p:cxnSp>
+      <p:sp>
+        <p:nvSpPr>
+          <p:cNvPr id="2" name="TextBox 1">
+            <a:extLst>
+              <a:ext uri="{FF2B5EF4-FFF2-40B4-BE49-F238E27FC236}">
+                <a16:creationId xmlns:a16="http://schemas.microsoft.com/office/drawing/2014/main" id="{3D5EC9E0-ABAC-FECB-ACCA-836BF8B5A81F}"/>
+              </a:ext>
+            </a:extLst>
+          </p:cNvPr>
+          <p:cNvSpPr txBox="1"/>
+          <p:nvPr/>
+        </p:nvSpPr>
+        <p:spPr>
+          <a:xfrm>
+            <a:off x="244355" y="1417505"/>
+            <a:ext cx="5242045" cy="3913059"/>
+          </a:xfrm>
+          <a:prstGeom prst="rect">
+            <a:avLst/>
+          </a:prstGeom>
+          <a:noFill/>
+        </p:spPr>
+        <p:txBody>
+          <a:bodyPr wrap="square" rtlCol="0">
+            <a:spAutoFit/>
+          </a:bodyPr>
+          <a:lstStyle/>
+          <a:p>
+            <a:pPr>
+              <a:lnSpc>
+                <a:spcPct val="150000"/>
+              </a:lnSpc>
+            </a:pPr>
+            <a:r>
+              <a:rPr lang="en-US" sz="2400" dirty="0">
+                <a:solidFill>
+                  <a:srgbClr val="005CC5"/>
+                </a:solidFill>
+                <a:effectLst/>
+              </a:rPr>
+              <a:t>import</a:t>
+            </a:r>
+            <a:r>
+              <a:rPr lang="en-US" sz="2400" dirty="0">
+                <a:solidFill>
+                  <a:srgbClr val="000000"/>
+                </a:solidFill>
+                <a:effectLst/>
+              </a:rPr>
+              <a:t> pandas as pd</a:t>
+            </a:r>
+            <a:br>
+              <a:rPr lang="en-US" sz="2400" dirty="0">
+                <a:solidFill>
+                  <a:srgbClr val="000000"/>
+                </a:solidFill>
+                <a:effectLst/>
+              </a:rPr>
+            </a:br>
+            <a:br>
+              <a:rPr lang="en-US" sz="2400" dirty="0">
+                <a:solidFill>
+                  <a:srgbClr val="000000"/>
+                </a:solidFill>
+                <a:effectLst/>
+              </a:rPr>
+            </a:br>
+            <a:r>
+              <a:rPr lang="en-US" sz="2400" dirty="0" err="1">
+                <a:solidFill>
+                  <a:srgbClr val="000000"/>
+                </a:solidFill>
+                <a:effectLst/>
+              </a:rPr>
+              <a:t>df</a:t>
+            </a:r>
+            <a:r>
+              <a:rPr lang="en-US" sz="2400" dirty="0">
+                <a:solidFill>
+                  <a:srgbClr val="000000"/>
+                </a:solidFill>
+                <a:effectLst/>
+              </a:rPr>
+              <a:t> = </a:t>
+            </a:r>
+            <a:r>
+              <a:rPr lang="en-US" sz="2400" dirty="0" err="1">
+                <a:solidFill>
+                  <a:srgbClr val="000000"/>
+                </a:solidFill>
+                <a:effectLst/>
+              </a:rPr>
+              <a:t>pd.read_csv</a:t>
+            </a:r>
+            <a:r>
+              <a:rPr lang="en-US" sz="2400" dirty="0">
+                <a:solidFill>
+                  <a:srgbClr val="000000"/>
+                </a:solidFill>
+                <a:effectLst/>
+              </a:rPr>
+              <a:t>(</a:t>
+            </a:r>
+            <a:r>
+              <a:rPr lang="en-US" sz="2400" dirty="0">
+                <a:solidFill>
+                  <a:srgbClr val="008000"/>
+                </a:solidFill>
+                <a:effectLst/>
+              </a:rPr>
+              <a:t>'data.csv'</a:t>
+            </a:r>
+            <a:r>
+              <a:rPr lang="en-US" sz="2400" dirty="0">
+                <a:solidFill>
+                  <a:srgbClr val="000000"/>
+                </a:solidFill>
+                <a:effectLst/>
+              </a:rPr>
+              <a:t>)</a:t>
+            </a:r>
+            <a:br>
+              <a:rPr lang="en-US" sz="2400" dirty="0">
+                <a:solidFill>
+                  <a:srgbClr val="000000"/>
+                </a:solidFill>
+                <a:effectLst/>
+              </a:rPr>
+            </a:br>
+            <a:br>
+              <a:rPr lang="en-US" sz="2400" dirty="0">
+                <a:solidFill>
+                  <a:srgbClr val="000000"/>
+                </a:solidFill>
+                <a:effectLst/>
+              </a:rPr>
+            </a:br>
+            <a:r>
+              <a:rPr lang="en-US" sz="2400" dirty="0" err="1">
+                <a:solidFill>
+                  <a:schemeClr val="accent1"/>
+                </a:solidFill>
+                <a:effectLst/>
+              </a:rPr>
+              <a:t>df</a:t>
+            </a:r>
+            <a:r>
+              <a:rPr lang="en-US" sz="2400" dirty="0">
+                <a:solidFill>
+                  <a:schemeClr val="accent1"/>
+                </a:solidFill>
+                <a:effectLst/>
+              </a:rPr>
+              <a:t>['Date'] = </a:t>
+            </a:r>
+            <a:r>
+              <a:rPr lang="en-US" sz="2400" dirty="0" err="1">
+                <a:solidFill>
+                  <a:schemeClr val="accent1"/>
+                </a:solidFill>
+                <a:effectLst/>
+              </a:rPr>
+              <a:t>pd.to_datetime</a:t>
+            </a:r>
+            <a:r>
+              <a:rPr lang="en-US" sz="2400" dirty="0">
+                <a:solidFill>
+                  <a:schemeClr val="accent1"/>
+                </a:solidFill>
+                <a:effectLst/>
+              </a:rPr>
+              <a:t>(</a:t>
+            </a:r>
+            <a:r>
+              <a:rPr lang="en-US" sz="2400" dirty="0" err="1">
+                <a:solidFill>
+                  <a:schemeClr val="accent1"/>
+                </a:solidFill>
+                <a:effectLst/>
+              </a:rPr>
+              <a:t>df</a:t>
+            </a:r>
+            <a:r>
+              <a:rPr lang="en-US" sz="2400" dirty="0">
+                <a:solidFill>
+                  <a:schemeClr val="accent1"/>
+                </a:solidFill>
+                <a:effectLst/>
+              </a:rPr>
+              <a:t>['Date'])</a:t>
+            </a:r>
+            <a:br>
+              <a:rPr lang="en-US" sz="2400" dirty="0">
+                <a:solidFill>
+                  <a:srgbClr val="000000"/>
+                </a:solidFill>
+                <a:effectLst/>
+              </a:rPr>
+            </a:br>
+            <a:br>
+              <a:rPr lang="en-US" sz="2400" dirty="0">
+                <a:solidFill>
+                  <a:srgbClr val="000000"/>
+                </a:solidFill>
+                <a:effectLst/>
+              </a:rPr>
+            </a:br>
+            <a:r>
+              <a:rPr lang="en-US" sz="2400" dirty="0">
+                <a:solidFill>
+                  <a:srgbClr val="005CC5"/>
+                </a:solidFill>
+                <a:effectLst/>
+              </a:rPr>
+              <a:t>print</a:t>
+            </a:r>
+            <a:r>
+              <a:rPr lang="en-US" sz="2400" dirty="0">
+                <a:solidFill>
+                  <a:srgbClr val="000000"/>
+                </a:solidFill>
+                <a:effectLst/>
+              </a:rPr>
+              <a:t>(</a:t>
+            </a:r>
+            <a:r>
+              <a:rPr lang="en-US" sz="2400" dirty="0" err="1">
+                <a:solidFill>
+                  <a:srgbClr val="000000"/>
+                </a:solidFill>
+                <a:effectLst/>
+              </a:rPr>
+              <a:t>df.to_string</a:t>
+            </a:r>
+            <a:r>
+              <a:rPr lang="en-US" sz="2400" dirty="0">
+                <a:solidFill>
+                  <a:srgbClr val="000000"/>
+                </a:solidFill>
+                <a:effectLst/>
+              </a:rPr>
+              <a:t>())</a:t>
+            </a:r>
+            <a:endParaRPr lang="en-US" sz="2400" dirty="0"/>
+          </a:p>
+        </p:txBody>
+      </p:sp>
+      <p:sp>
+        <p:nvSpPr>
+          <p:cNvPr id="9" name="Rectangle 8">
+            <a:extLst>
+              <a:ext uri="{FF2B5EF4-FFF2-40B4-BE49-F238E27FC236}">
+                <a16:creationId xmlns:a16="http://schemas.microsoft.com/office/drawing/2014/main" id="{2E6F77C2-DF3D-49B4-E380-1990BEC65A3D}"/>
+              </a:ext>
+            </a:extLst>
+          </p:cNvPr>
+          <p:cNvSpPr/>
+          <p:nvPr/>
+        </p:nvSpPr>
+        <p:spPr>
+          <a:xfrm>
+            <a:off x="88135" y="1417505"/>
+            <a:ext cx="5547894" cy="4022990"/>
+          </a:xfrm>
+          <a:prstGeom prst="rect">
+            <a:avLst/>
+          </a:prstGeom>
+          <a:noFill/>
+          <a:ln>
+            <a:solidFill>
+              <a:srgbClr val="3A86FF"/>
+            </a:solidFill>
+          </a:ln>
+        </p:spPr>
+        <p:style>
+          <a:lnRef idx="2">
+            <a:schemeClr val="accent1">
+              <a:shade val="15000"/>
+            </a:schemeClr>
+          </a:lnRef>
+          <a:fillRef idx="1">
+            <a:schemeClr val="accent1"/>
+          </a:fillRef>
+          <a:effectRef idx="0">
+            <a:schemeClr val="accent1"/>
+          </a:effectRef>
+          <a:fontRef idx="minor">
+            <a:schemeClr val="lt1"/>
+          </a:fontRef>
+        </p:style>
+        <p:txBody>
+          <a:bodyPr rtlCol="0" anchor="ctr"/>
+          <a:lstStyle/>
+          <a:p>
+            <a:pPr algn="ctr"/>
+            <a:endParaRPr lang="en-US"/>
+          </a:p>
+        </p:txBody>
+      </p:sp>
+      <p:pic>
+        <p:nvPicPr>
+          <p:cNvPr id="11" name="Picture 10">
+            <a:extLst>
+              <a:ext uri="{FF2B5EF4-FFF2-40B4-BE49-F238E27FC236}">
+                <a16:creationId xmlns:a16="http://schemas.microsoft.com/office/drawing/2014/main" id="{6DA10592-B0A8-F74A-8447-2BCF023C40DF}"/>
+              </a:ext>
+            </a:extLst>
+          </p:cNvPr>
+          <p:cNvPicPr>
+            <a:picLocks noChangeAspect="1"/>
+          </p:cNvPicPr>
+          <p:nvPr/>
+        </p:nvPicPr>
+        <p:blipFill>
+          <a:blip r:embed="rId4"/>
+          <a:stretch>
+            <a:fillRect/>
+          </a:stretch>
+        </p:blipFill>
+        <p:spPr>
+          <a:xfrm>
+            <a:off x="5877831" y="2059400"/>
+            <a:ext cx="5028467" cy="3154220"/>
+          </a:xfrm>
+          <a:prstGeom prst="rect">
+            <a:avLst/>
+          </a:prstGeom>
+        </p:spPr>
+      </p:pic>
+      <p:sp>
+        <p:nvSpPr>
+          <p:cNvPr id="13" name="Rectangle 12">
+            <a:extLst>
+              <a:ext uri="{FF2B5EF4-FFF2-40B4-BE49-F238E27FC236}">
+                <a16:creationId xmlns:a16="http://schemas.microsoft.com/office/drawing/2014/main" id="{30A6620C-35FA-66D0-A5F4-356EB20522DC}"/>
+              </a:ext>
+            </a:extLst>
+          </p:cNvPr>
+          <p:cNvSpPr/>
+          <p:nvPr/>
+        </p:nvSpPr>
+        <p:spPr>
+          <a:xfrm>
+            <a:off x="5877831" y="3429000"/>
+            <a:ext cx="5161471" cy="594360"/>
+          </a:xfrm>
+          <a:prstGeom prst="rect">
+            <a:avLst/>
+          </a:prstGeom>
+          <a:noFill/>
+          <a:ln>
+            <a:solidFill>
+              <a:srgbClr val="FF0000"/>
+            </a:solidFill>
+          </a:ln>
+        </p:spPr>
+        <p:style>
+          <a:lnRef idx="2">
+            <a:schemeClr val="accent1">
+              <a:shade val="15000"/>
+            </a:schemeClr>
+          </a:lnRef>
+          <a:fillRef idx="1">
+            <a:schemeClr val="accent1"/>
+          </a:fillRef>
+          <a:effectRef idx="0">
+            <a:schemeClr val="accent1"/>
+          </a:effectRef>
+          <a:fontRef idx="minor">
+            <a:schemeClr val="lt1"/>
+          </a:fontRef>
+        </p:style>
+        <p:txBody>
+          <a:bodyPr rtlCol="0" anchor="ctr"/>
+          <a:lstStyle/>
+          <a:p>
+            <a:pPr algn="ctr"/>
+            <a:endParaRPr lang="en-US"/>
+          </a:p>
+        </p:txBody>
+      </p:sp>
+    </p:spTree>
+    <p:extLst>
+      <p:ext uri="{BB962C8B-B14F-4D97-AF65-F5344CB8AC3E}">
+        <p14:creationId xmlns:p14="http://schemas.microsoft.com/office/powerpoint/2010/main" val="2012429847"/>
       </p:ext>
     </p:extLst>
   </p:cSld>
@@ -12461,10 +15331,10 @@
               <a:t>•	Building Your First Python GUI Application With </a:t>
             </a:r>
             <a:r>
-              <a:rPr lang="en-US" sz="2400" dirty="0" err="1" smtClean="0"/>
+              <a:rPr lang="en-US" sz="2400" dirty="0" err="1"/>
               <a:t>Tkinter</a:t>
             </a:r>
-            <a:endParaRPr lang="en-US" sz="2400" dirty="0" smtClean="0"/>
+            <a:endParaRPr lang="en-US" sz="2400" dirty="0"/>
           </a:p>
           <a:p>
             <a:pPr marL="342900" indent="-342900">
@@ -12478,13 +15348,7 @@
               <a:rPr lang="en-US" sz="2400" dirty="0">
                 <a:cs typeface="Calibri"/>
               </a:rPr>
-              <a:t>•	Working With </a:t>
-            </a:r>
-            <a:r>
-              <a:rPr lang="en-US" sz="2400" dirty="0" smtClean="0">
-                <a:cs typeface="Calibri"/>
-              </a:rPr>
-              <a:t>Widgets</a:t>
+              <a:t>•	Working With Widgets</a:t>
             </a:r>
           </a:p>
           <a:p>
@@ -12499,13 +15363,7 @@
               <a:rPr lang="en-US" sz="2400" dirty="0">
                 <a:cs typeface="Calibri"/>
               </a:rPr>
-              <a:t>•	Controlling Layout With Geometry </a:t>
-            </a:r>
-            <a:r>
-              <a:rPr lang="en-US" sz="2400" dirty="0" smtClean="0">
-                <a:cs typeface="Calibri"/>
-              </a:rPr>
-              <a:t>Managers</a:t>
+              <a:t>•	Controlling Layout With Geometry Managers</a:t>
             </a:r>
           </a:p>
           <a:p>
@@ -13003,11 +15861,7 @@
             </a:pPr>
             <a:r>
               <a:rPr lang="en-US" sz="2400" dirty="0"/>
-              <a:t>Pandas allows us to analyze big data and make conclusions based on statistical theories</a:t>
-            </a:r>
-            <a:r>
-              <a:rPr lang="en-US" sz="2400" dirty="0" smtClean="0"/>
-              <a:t>.</a:t>
+              <a:t>Pandas allows us to analyze big data and make conclusions based on statistical theories.</a:t>
             </a:r>
           </a:p>
           <a:p>
@@ -13415,16 +16269,7 @@
                 </a:solidFill>
                 <a:latin typeface="+mj-lt"/>
               </a:rPr>
-              <a:t>Pandas </a:t>
-            </a:r>
-            <a:r>
-              <a:rPr lang="en-US" sz="4000" b="1" dirty="0" smtClean="0">
-                <a:solidFill>
-                  <a:srgbClr val="006DC5"/>
-                </a:solidFill>
-                <a:latin typeface="+mj-lt"/>
-              </a:rPr>
-              <a:t>Series (col)</a:t>
+              <a:t>Pandas Series (col)</a:t>
             </a:r>
             <a:endParaRPr lang="en-US" dirty="0"/>
           </a:p>
